--- a/results/flow_chart/Flow chart SOFA.pptx
+++ b/results/flow_chart/Flow chart SOFA.pptx
@@ -197,7 +197,7 @@
           <a:p>
             <a:fld id="{3EEE108C-EB67-DA4C-A2B8-5DDAA9AACF1E}" type="datetimeFigureOut">
               <a:rPr lang="de-CH" smtClean="0"/>
-              <a:t>11.02.2023</a:t>
+              <a:t>26.04.23</a:t>
             </a:fld>
             <a:endParaRPr lang="de-CH"/>
           </a:p>
@@ -1896,7 +1896,7 @@
             <a:fld id="{4B6055F8-1D02-4417-9241-55C834FD9970}" type="datetimeFigureOut">
               <a:rPr lang="it-IT" smtClean="0"/>
               <a:pPr/>
-              <a:t>11/02/2023</a:t>
+              <a:t>26/04/23</a:t>
             </a:fld>
             <a:endParaRPr lang="it-IT"/>
           </a:p>
@@ -5039,7 +5039,7 @@
                 <a:latin typeface="Arial" panose="020B0604020202020204" pitchFamily="34" charset="0"/>
                 <a:cs typeface="Arial" panose="020B0604020202020204" pitchFamily="34" charset="0"/>
               </a:rPr>
-              <a:t>Admissions excluded:</a:t>
+              <a:t>ICU stays excluded:</a:t>
             </a:r>
           </a:p>
           <a:p>
@@ -5078,7 +5078,7 @@
                 <a:latin typeface="Arial" panose="020B0604020202020204" pitchFamily="34" charset="0"/>
                 <a:cs typeface="Arial" panose="020B0604020202020204" pitchFamily="34" charset="0"/>
               </a:rPr>
-              <a:t>Elective Admission (n=6,939)</a:t>
+              <a:t>Elective admission (n=6,939)</a:t>
             </a:r>
           </a:p>
           <a:p>
@@ -5329,7 +5329,7 @@
                 <a:latin typeface="Arial" panose="020B0604020202020204" pitchFamily="34" charset="0"/>
                 <a:cs typeface="Arial" panose="020B0604020202020204" pitchFamily="34" charset="0"/>
               </a:rPr>
-              <a:t>Admissions excluded:</a:t>
+              <a:t>ICU stays excluded:</a:t>
             </a:r>
           </a:p>
           <a:p>
@@ -5368,7 +5368,7 @@
                 <a:latin typeface="Arial" panose="020B0604020202020204" pitchFamily="34" charset="0"/>
                 <a:cs typeface="Arial" panose="020B0604020202020204" pitchFamily="34" charset="0"/>
               </a:rPr>
-              <a:t>Information on sex missing and age &lt; 18 (n=327)</a:t>
+              <a:t>Elective admission (n=19,384)</a:t>
             </a:r>
           </a:p>
           <a:p>
@@ -5381,7 +5381,7 @@
                 <a:latin typeface="Arial" panose="020B0604020202020204" pitchFamily="34" charset="0"/>
                 <a:cs typeface="Arial" panose="020B0604020202020204" pitchFamily="34" charset="0"/>
               </a:rPr>
-              <a:t>Elective Admission (n=19,384)</a:t>
+              <a:t>Information on sex missing and age &lt; 18 (n=327)</a:t>
             </a:r>
           </a:p>
         </p:txBody>
@@ -5473,60 +5473,6 @@
       </p:cxnSp>
       <p:sp>
         <p:nvSpPr>
-          <p:cNvPr id="30" name="Textfeld 8">
-            <a:extLst>
-              <a:ext uri="{FF2B5EF4-FFF2-40B4-BE49-F238E27FC236}">
-                <a16:creationId xmlns:a16="http://schemas.microsoft.com/office/drawing/2014/main" id="{7565760B-7B67-C7E1-619E-0D6E5DEAA7E5}"/>
-              </a:ext>
-            </a:extLst>
-          </p:cNvPr>
-          <p:cNvSpPr txBox="1"/>
-          <p:nvPr/>
-        </p:nvSpPr>
-        <p:spPr>
-          <a:xfrm>
-            <a:off x="101371" y="6713865"/>
-            <a:ext cx="1561716" cy="461665"/>
-          </a:xfrm>
-          <a:prstGeom prst="rect">
-            <a:avLst/>
-          </a:prstGeom>
-          <a:noFill/>
-          <a:ln>
-            <a:solidFill>
-              <a:schemeClr val="tx1"/>
-            </a:solidFill>
-          </a:ln>
-        </p:spPr>
-        <p:txBody>
-          <a:bodyPr wrap="square" rtlCol="0" anchor="ctr" anchorCtr="0">
-            <a:spAutoFit/>
-          </a:bodyPr>
-          <a:lstStyle/>
-          <a:p>
-            <a:pPr algn="ctr"/>
-            <a:r>
-              <a:rPr lang="en-US" sz="1200" dirty="0">
-                <a:latin typeface="Arial" panose="020B0604020202020204" pitchFamily="34" charset="0"/>
-                <a:cs typeface="Arial" panose="020B0604020202020204" pitchFamily="34" charset="0"/>
-              </a:rPr>
-              <a:t>SOFA Components</a:t>
-            </a:r>
-          </a:p>
-          <a:p>
-            <a:pPr algn="ctr"/>
-            <a:r>
-              <a:rPr lang="en-US" sz="1200" dirty="0">
-                <a:latin typeface="Arial" panose="020B0604020202020204" pitchFamily="34" charset="0"/>
-                <a:cs typeface="Arial" panose="020B0604020202020204" pitchFamily="34" charset="0"/>
-              </a:rPr>
-              <a:t>Project</a:t>
-            </a:r>
-          </a:p>
-        </p:txBody>
-      </p:sp>
-      <p:sp>
-        <p:nvSpPr>
           <p:cNvPr id="31" name="Textfeld 7">
             <a:extLst>
               <a:ext uri="{FF2B5EF4-FFF2-40B4-BE49-F238E27FC236}">
@@ -5613,7 +5559,7 @@
                 <a:latin typeface="Arial" panose="020B0604020202020204" pitchFamily="34" charset="0"/>
                 <a:cs typeface="Arial" panose="020B0604020202020204" pitchFamily="34" charset="0"/>
               </a:rPr>
-              <a:t>Admissions excluded:</a:t>
+              <a:t>ICU stays excluded:</a:t>
             </a:r>
           </a:p>
           <a:p>
@@ -5626,19 +5572,8 @@
                 <a:latin typeface="Arial" panose="020B0604020202020204" pitchFamily="34" charset="0"/>
                 <a:cs typeface="Arial" panose="020B0604020202020204" pitchFamily="34" charset="0"/>
               </a:rPr>
-              <a:t>LOS &lt; 7 days (</a:t>
-            </a:r>
-            <a:r>
-              <a:rPr lang="en-US" sz="1200">
-                <a:latin typeface="Arial" panose="020B0604020202020204" pitchFamily="34" charset="0"/>
-                <a:cs typeface="Arial" panose="020B0604020202020204" pitchFamily="34" charset="0"/>
-              </a:rPr>
-              <a:t>n=29,042)</a:t>
-            </a:r>
-            <a:endParaRPr lang="en-US" sz="1200" dirty="0">
-              <a:latin typeface="Arial" panose="020B0604020202020204" pitchFamily="34" charset="0"/>
-              <a:cs typeface="Arial" panose="020B0604020202020204" pitchFamily="34" charset="0"/>
-            </a:endParaRPr>
+              <a:t>LOS &lt; 7 days (n=29,042)</a:t>
+            </a:r>
           </a:p>
         </p:txBody>
       </p:sp>
@@ -5820,7 +5755,7 @@
                 <a:latin typeface="Arial" panose="020B0604020202020204" pitchFamily="34" charset="0"/>
                 <a:cs typeface="Arial" panose="020B0604020202020204" pitchFamily="34" charset="0"/>
               </a:rPr>
-              <a:t>Admissions excluded:</a:t>
+              <a:t>ICU stays excluded:</a:t>
             </a:r>
           </a:p>
           <a:p>

--- a/results/flow_chart/Flow chart SOFA.pptx
+++ b/results/flow_chart/Flow chart SOFA.pptx
@@ -5,10 +5,11 @@
     <p:sldMasterId id="2147483660" r:id="rId4"/>
   </p:sldMasterIdLst>
   <p:notesMasterIdLst>
-    <p:notesMasterId r:id="rId6"/>
+    <p:notesMasterId r:id="rId7"/>
   </p:notesMasterIdLst>
   <p:sldIdLst>
     <p:sldId id="2154" r:id="rId5"/>
+    <p:sldId id="2155" r:id="rId6"/>
   </p:sldIdLst>
   <p:sldSz cx="12798425" cy="7199313"/>
   <p:notesSz cx="6858000" cy="9144000"/>
@@ -197,7 +198,7 @@
           <a:p>
             <a:fld id="{3EEE108C-EB67-DA4C-A2B8-5DDAA9AACF1E}" type="datetimeFigureOut">
               <a:rPr lang="de-CH" smtClean="0"/>
-              <a:t>26.04.23</a:t>
+              <a:t>03.05.23</a:t>
             </a:fld>
             <a:endParaRPr lang="de-CH"/>
           </a:p>
@@ -554,6 +555,95 @@
 </p:notes>
 </file>
 
+<file path=ppt/notesSlides/notesSlide2.xml><?xml version="1.0" encoding="utf-8"?>
+<p:notes xmlns:a="http://schemas.openxmlformats.org/drawingml/2006/main" xmlns:r="http://schemas.openxmlformats.org/officeDocument/2006/relationships" xmlns:p="http://schemas.openxmlformats.org/presentationml/2006/main">
+  <p:cSld>
+    <p:spTree>
+      <p:nvGrpSpPr>
+        <p:cNvPr id="1" name=""/>
+        <p:cNvGrpSpPr/>
+        <p:nvPr/>
+      </p:nvGrpSpPr>
+      <p:grpSpPr>
+        <a:xfrm>
+          <a:off x="0" y="0"/>
+          <a:ext cx="0" cy="0"/>
+          <a:chOff x="0" y="0"/>
+          <a:chExt cx="0" cy="0"/>
+        </a:xfrm>
+      </p:grpSpPr>
+      <p:sp>
+        <p:nvSpPr>
+          <p:cNvPr id="2" name="Folienbildplatzhalter 1"/>
+          <p:cNvSpPr>
+            <a:spLocks noGrp="1" noRot="1" noChangeAspect="1"/>
+          </p:cNvSpPr>
+          <p:nvPr>
+            <p:ph type="sldImg"/>
+          </p:nvPr>
+        </p:nvSpPr>
+        <p:spPr>
+          <a:xfrm>
+            <a:off x="687388" y="1143000"/>
+            <a:ext cx="5483225" cy="3086100"/>
+          </a:xfrm>
+        </p:spPr>
+      </p:sp>
+      <p:sp>
+        <p:nvSpPr>
+          <p:cNvPr id="3" name="Notizenplatzhalter 2"/>
+          <p:cNvSpPr>
+            <a:spLocks noGrp="1"/>
+          </p:cNvSpPr>
+          <p:nvPr>
+            <p:ph type="body" idx="1"/>
+          </p:nvPr>
+        </p:nvSpPr>
+        <p:spPr/>
+        <p:txBody>
+          <a:bodyPr/>
+          <a:lstStyle/>
+          <a:p>
+            <a:endParaRPr lang="de-DE" dirty="0"/>
+          </a:p>
+        </p:txBody>
+      </p:sp>
+      <p:sp>
+        <p:nvSpPr>
+          <p:cNvPr id="4" name="Foliennummernplatzhalter 3"/>
+          <p:cNvSpPr>
+            <a:spLocks noGrp="1"/>
+          </p:cNvSpPr>
+          <p:nvPr>
+            <p:ph type="sldNum" sz="quarter" idx="5"/>
+          </p:nvPr>
+        </p:nvSpPr>
+        <p:spPr/>
+        <p:txBody>
+          <a:bodyPr/>
+          <a:lstStyle/>
+          <a:p>
+            <a:fld id="{5C3705C8-8D8D-C141-93E1-E1EAB03375A0}" type="slidenum">
+              <a:rPr lang="de-CH" smtClean="0"/>
+              <a:t>2</a:t>
+            </a:fld>
+            <a:endParaRPr lang="de-CH"/>
+          </a:p>
+        </p:txBody>
+      </p:sp>
+    </p:spTree>
+    <p:extLst>
+      <p:ext uri="{BB962C8B-B14F-4D97-AF65-F5344CB8AC3E}">
+        <p14:creationId xmlns:p14="http://schemas.microsoft.com/office/powerpoint/2010/main" val="3598546289"/>
+      </p:ext>
+    </p:extLst>
+  </p:cSld>
+  <p:clrMapOvr>
+    <a:masterClrMapping/>
+  </p:clrMapOvr>
+</p:notes>
+</file>
+
 <file path=ppt/slideLayouts/slideLayout1.xml><?xml version="1.0" encoding="utf-8"?>
 <p:sldLayout xmlns:a="http://schemas.openxmlformats.org/drawingml/2006/main" xmlns:r="http://schemas.openxmlformats.org/officeDocument/2006/relationships" xmlns:p="http://schemas.openxmlformats.org/presentationml/2006/main" type="title" preserve="1">
   <p:cSld name="Titelfolie">
@@ -1896,7 +1986,7 @@
             <a:fld id="{4B6055F8-1D02-4417-9241-55C834FD9970}" type="datetimeFigureOut">
               <a:rPr lang="it-IT" smtClean="0"/>
               <a:pPr/>
-              <a:t>26/04/23</a:t>
+              <a:t>03/05/23</a:t>
             </a:fld>
             <a:endParaRPr lang="it-IT"/>
           </a:p>
@@ -4417,7 +4507,7 @@
               </a14:hiddenLine>
             </a:ext>
             <a:ext uri="{FAA26D3D-D897-4be2-8F04-BA451C77F1D7}">
-              <ma14:placeholderFlag xmlns:ma14="http://schemas.microsoft.com/office/mac/drawingml/2011/main" xmlns="" val="1"/>
+              <ma14:placeholderFlag xmlns="" xmlns:ma14="http://schemas.microsoft.com/office/mac/drawingml/2011/main" val="1"/>
             </a:ext>
           </a:extLst>
         </p:spPr>
@@ -4473,7 +4563,7 @@
               </a14:hiddenLine>
             </a:ext>
             <a:ext uri="{FAA26D3D-D897-4be2-8F04-BA451C77F1D7}">
-              <ma14:placeholderFlag xmlns:ma14="http://schemas.microsoft.com/office/mac/drawingml/2011/main" xmlns="" val="1"/>
+              <ma14:placeholderFlag xmlns="" xmlns:ma14="http://schemas.microsoft.com/office/mac/drawingml/2011/main" val="1"/>
             </a:ext>
           </a:extLst>
         </p:spPr>
@@ -5052,7 +5142,7 @@
                 <a:latin typeface="Arial" panose="020B0604020202020204" pitchFamily="34" charset="0"/>
                 <a:cs typeface="Arial" panose="020B0604020202020204" pitchFamily="34" charset="0"/>
               </a:rPr>
-              <a:t>LOS &lt; 24 hours (n=15,753)</a:t>
+              <a:t>LOS &lt; 7 days (n=44,795)</a:t>
             </a:r>
           </a:p>
           <a:p>
@@ -5226,13 +5316,13 @@
           <a:p>
             <a:r>
               <a:rPr lang="en-US" dirty="0"/>
-              <a:t>33,968 adult ICU stays in MIMIC-IV </a:t>
+              <a:t>4,926 adult ICU stays in MIMIC-IV </a:t>
             </a:r>
           </a:p>
           <a:p>
             <a:r>
               <a:rPr lang="en-US" dirty="0"/>
-              <a:t>within first 24 hours</a:t>
+              <a:t>within first 7 days</a:t>
             </a:r>
           </a:p>
         </p:txBody>
@@ -5342,7 +5432,7 @@
                 <a:latin typeface="Arial" panose="020B0604020202020204" pitchFamily="34" charset="0"/>
                 <a:cs typeface="Arial" panose="020B0604020202020204" pitchFamily="34" charset="0"/>
               </a:rPr>
-              <a:t>LOS &lt; 24 hours (n=68,030)</a:t>
+              <a:t>LOS &lt; 7 days (n=159,050)</a:t>
             </a:r>
           </a:p>
           <a:p>
@@ -5516,6 +5606,642 @@
           <a:p>
             <a:r>
               <a:rPr lang="en-US" dirty="0"/>
+              <a:t>10,653 adult ICU stays in eICU-CRD</a:t>
+            </a:r>
+            <a:br>
+              <a:rPr lang="en-US" dirty="0"/>
+            </a:br>
+            <a:r>
+              <a:rPr lang="en-US" dirty="0"/>
+              <a:t>within first 7 days</a:t>
+            </a:r>
+          </a:p>
+        </p:txBody>
+      </p:sp>
+      <p:sp>
+        <p:nvSpPr>
+          <p:cNvPr id="2" name="TextBox 1">
+            <a:extLst>
+              <a:ext uri="{FF2B5EF4-FFF2-40B4-BE49-F238E27FC236}">
+                <a16:creationId xmlns:a16="http://schemas.microsoft.com/office/drawing/2014/main" id="{72348ACA-F2AD-8760-BC90-29D3E8A6B645}"/>
+              </a:ext>
+            </a:extLst>
+          </p:cNvPr>
+          <p:cNvSpPr txBox="1"/>
+          <p:nvPr/>
+        </p:nvSpPr>
+        <p:spPr>
+          <a:xfrm>
+            <a:off x="402771" y="6858000"/>
+            <a:ext cx="619080" cy="308418"/>
+          </a:xfrm>
+          <a:prstGeom prst="rect">
+            <a:avLst/>
+          </a:prstGeom>
+          <a:noFill/>
+        </p:spPr>
+        <p:txBody>
+          <a:bodyPr wrap="none" rtlCol="0">
+            <a:spAutoFit/>
+          </a:bodyPr>
+          <a:lstStyle/>
+          <a:p>
+            <a:r>
+              <a:rPr lang="en-US" b="1" dirty="0"/>
+              <a:t>NEW</a:t>
+            </a:r>
+          </a:p>
+        </p:txBody>
+      </p:sp>
+    </p:spTree>
+    <p:extLst>
+      <p:ext uri="{BB962C8B-B14F-4D97-AF65-F5344CB8AC3E}">
+        <p14:creationId xmlns:p14="http://schemas.microsoft.com/office/powerpoint/2010/main" val="1186949164"/>
+      </p:ext>
+    </p:extLst>
+  </p:cSld>
+  <p:clrMapOvr>
+    <a:masterClrMapping/>
+  </p:clrMapOvr>
+</p:sld>
+</file>
+
+<file path=ppt/slides/slide2.xml><?xml version="1.0" encoding="utf-8"?>
+<p:sld xmlns:a="http://schemas.openxmlformats.org/drawingml/2006/main" xmlns:r="http://schemas.openxmlformats.org/officeDocument/2006/relationships" xmlns:p="http://schemas.openxmlformats.org/presentationml/2006/main">
+  <p:cSld>
+    <p:spTree>
+      <p:nvGrpSpPr>
+        <p:cNvPr id="1" name=""/>
+        <p:cNvGrpSpPr/>
+        <p:nvPr/>
+      </p:nvGrpSpPr>
+      <p:grpSpPr>
+        <a:xfrm>
+          <a:off x="0" y="0"/>
+          <a:ext cx="0" cy="0"/>
+          <a:chOff x="0" y="0"/>
+          <a:chExt cx="0" cy="0"/>
+        </a:xfrm>
+      </p:grpSpPr>
+      <p:sp>
+        <p:nvSpPr>
+          <p:cNvPr id="8" name="Textfeld 7">
+            <a:extLst>
+              <a:ext uri="{FF2B5EF4-FFF2-40B4-BE49-F238E27FC236}">
+                <a16:creationId xmlns:a16="http://schemas.microsoft.com/office/drawing/2014/main" id="{54000E2E-5C7D-1344-A185-C415F6A5CDC2}"/>
+              </a:ext>
+            </a:extLst>
+          </p:cNvPr>
+          <p:cNvSpPr txBox="1"/>
+          <p:nvPr/>
+        </p:nvSpPr>
+        <p:spPr>
+          <a:xfrm>
+            <a:off x="6432251" y="635295"/>
+            <a:ext cx="1723297" cy="492067"/>
+          </a:xfrm>
+          <a:prstGeom prst="rect">
+            <a:avLst/>
+          </a:prstGeom>
+          <a:noFill/>
+          <a:ln>
+            <a:solidFill>
+              <a:schemeClr val="tx1"/>
+            </a:solidFill>
+          </a:ln>
+        </p:spPr>
+        <p:txBody>
+          <a:bodyPr wrap="square" rtlCol="0" anchor="ctr" anchorCtr="0">
+            <a:noAutofit/>
+          </a:bodyPr>
+          <a:lstStyle/>
+          <a:p>
+            <a:pPr algn="ctr"/>
+            <a:r>
+              <a:rPr lang="en-US" sz="1200" dirty="0">
+                <a:latin typeface="Arial" panose="020B0604020202020204" pitchFamily="34" charset="0"/>
+                <a:cs typeface="Arial" panose="020B0604020202020204" pitchFamily="34" charset="0"/>
+              </a:rPr>
+              <a:t>73,181 adult ICU stays in MIMIC-IV</a:t>
+            </a:r>
+          </a:p>
+        </p:txBody>
+      </p:sp>
+      <p:sp>
+        <p:nvSpPr>
+          <p:cNvPr id="11" name="Textfeld 10">
+            <a:extLst>
+              <a:ext uri="{FF2B5EF4-FFF2-40B4-BE49-F238E27FC236}">
+                <a16:creationId xmlns:a16="http://schemas.microsoft.com/office/drawing/2014/main" id="{F188F005-AEF6-BA48-BD4C-6F3F3DD7946E}"/>
+              </a:ext>
+            </a:extLst>
+          </p:cNvPr>
+          <p:cNvSpPr txBox="1"/>
+          <p:nvPr/>
+        </p:nvSpPr>
+        <p:spPr>
+          <a:xfrm>
+            <a:off x="8547885" y="1000546"/>
+            <a:ext cx="2736000" cy="1200329"/>
+          </a:xfrm>
+          <a:prstGeom prst="rect">
+            <a:avLst/>
+          </a:prstGeom>
+          <a:noFill/>
+          <a:ln>
+            <a:solidFill>
+              <a:schemeClr val="tx1"/>
+            </a:solidFill>
+          </a:ln>
+        </p:spPr>
+        <p:txBody>
+          <a:bodyPr wrap="square" rtlCol="0" anchor="ctr" anchorCtr="0">
+            <a:spAutoFit/>
+          </a:bodyPr>
+          <a:lstStyle/>
+          <a:p>
+            <a:r>
+              <a:rPr lang="en-US" sz="1200" dirty="0">
+                <a:latin typeface="Arial" panose="020B0604020202020204" pitchFamily="34" charset="0"/>
+                <a:cs typeface="Arial" panose="020B0604020202020204" pitchFamily="34" charset="0"/>
+              </a:rPr>
+              <a:t>ICU stays excluded:</a:t>
+            </a:r>
+          </a:p>
+          <a:p>
+            <a:pPr marL="171450" indent="-171450">
+              <a:buFont typeface="Arial" panose="020B0604020202020204" pitchFamily="34" charset="0"/>
+              <a:buChar char="•"/>
+            </a:pPr>
+            <a:r>
+              <a:rPr lang="en-US" sz="1200" dirty="0">
+                <a:latin typeface="Arial" panose="020B0604020202020204" pitchFamily="34" charset="0"/>
+                <a:cs typeface="Arial" panose="020B0604020202020204" pitchFamily="34" charset="0"/>
+              </a:rPr>
+              <a:t>LOS &lt; 24 hours (n=15,753)</a:t>
+            </a:r>
+          </a:p>
+          <a:p>
+            <a:pPr marL="171450" indent="-171450">
+              <a:buFont typeface="Arial" panose="020B0604020202020204" pitchFamily="34" charset="0"/>
+              <a:buChar char="•"/>
+            </a:pPr>
+            <a:r>
+              <a:rPr lang="en-US" sz="1200" dirty="0">
+                <a:latin typeface="Arial" panose="020B0604020202020204" pitchFamily="34" charset="0"/>
+                <a:cs typeface="Arial" panose="020B0604020202020204" pitchFamily="34" charset="0"/>
+              </a:rPr>
+              <a:t>Recurrent ICU stays (n=15,375)</a:t>
+            </a:r>
+          </a:p>
+          <a:p>
+            <a:pPr marL="171450" indent="-171450">
+              <a:buFont typeface="Arial" panose="020B0604020202020204" pitchFamily="34" charset="0"/>
+              <a:buChar char="•"/>
+            </a:pPr>
+            <a:r>
+              <a:rPr lang="en-US" sz="1200" dirty="0">
+                <a:latin typeface="Arial" panose="020B0604020202020204" pitchFamily="34" charset="0"/>
+                <a:cs typeface="Arial" panose="020B0604020202020204" pitchFamily="34" charset="0"/>
+              </a:rPr>
+              <a:t>Elective admission (n=6,939)</a:t>
+            </a:r>
+          </a:p>
+          <a:p>
+            <a:pPr marL="171450" indent="-171450">
+              <a:buFont typeface="Arial" panose="020B0604020202020204" pitchFamily="34" charset="0"/>
+              <a:buChar char="•"/>
+            </a:pPr>
+            <a:r>
+              <a:rPr lang="en-US" sz="1200" dirty="0">
+                <a:latin typeface="Arial" panose="020B0604020202020204" pitchFamily="34" charset="0"/>
+                <a:cs typeface="Arial" panose="020B0604020202020204" pitchFamily="34" charset="0"/>
+              </a:rPr>
+              <a:t>Information on GCS missing (n=1,146)</a:t>
+            </a:r>
+          </a:p>
+        </p:txBody>
+      </p:sp>
+      <p:cxnSp>
+        <p:nvCxnSpPr>
+          <p:cNvPr id="13" name="Gerade Verbindung mit Pfeil 12">
+            <a:extLst>
+              <a:ext uri="{FF2B5EF4-FFF2-40B4-BE49-F238E27FC236}">
+                <a16:creationId xmlns:a16="http://schemas.microsoft.com/office/drawing/2014/main" id="{FA7D861E-928E-9D4C-8857-46CFE561DB05}"/>
+              </a:ext>
+            </a:extLst>
+          </p:cNvPr>
+          <p:cNvCxnSpPr>
+            <a:cxnSpLocks/>
+            <a:endCxn id="11" idx="1"/>
+          </p:cNvCxnSpPr>
+          <p:nvPr/>
+        </p:nvCxnSpPr>
+        <p:spPr>
+          <a:xfrm>
+            <a:off x="7289785" y="1600711"/>
+            <a:ext cx="1258100" cy="0"/>
+          </a:xfrm>
+          <a:prstGeom prst="straightConnector1">
+            <a:avLst/>
+          </a:prstGeom>
+          <a:ln>
+            <a:tailEnd type="triangle"/>
+          </a:ln>
+        </p:spPr>
+        <p:style>
+          <a:lnRef idx="1">
+            <a:schemeClr val="dk1"/>
+          </a:lnRef>
+          <a:fillRef idx="0">
+            <a:schemeClr val="dk1"/>
+          </a:fillRef>
+          <a:effectRef idx="0">
+            <a:schemeClr val="dk1"/>
+          </a:effectRef>
+          <a:fontRef idx="minor">
+            <a:schemeClr val="tx1"/>
+          </a:fontRef>
+        </p:style>
+      </p:cxnSp>
+      <p:cxnSp>
+        <p:nvCxnSpPr>
+          <p:cNvPr id="25" name="Gerade Verbindung mit Pfeil 11">
+            <a:extLst>
+              <a:ext uri="{FF2B5EF4-FFF2-40B4-BE49-F238E27FC236}">
+                <a16:creationId xmlns:a16="http://schemas.microsoft.com/office/drawing/2014/main" id="{42BA8543-846E-0AC6-97E0-03187A3A168F}"/>
+              </a:ext>
+            </a:extLst>
+          </p:cNvPr>
+          <p:cNvCxnSpPr>
+            <a:cxnSpLocks/>
+            <a:stCxn id="8" idx="2"/>
+            <a:endCxn id="19" idx="0"/>
+          </p:cNvCxnSpPr>
+          <p:nvPr/>
+        </p:nvCxnSpPr>
+        <p:spPr>
+          <a:xfrm>
+            <a:off x="7293900" y="1127362"/>
+            <a:ext cx="0" cy="1348792"/>
+          </a:xfrm>
+          <a:prstGeom prst="straightConnector1">
+            <a:avLst/>
+          </a:prstGeom>
+          <a:ln>
+            <a:tailEnd type="triangle"/>
+          </a:ln>
+        </p:spPr>
+        <p:style>
+          <a:lnRef idx="1">
+            <a:schemeClr val="dk1"/>
+          </a:lnRef>
+          <a:fillRef idx="0">
+            <a:schemeClr val="dk1"/>
+          </a:fillRef>
+          <a:effectRef idx="0">
+            <a:schemeClr val="dk1"/>
+          </a:effectRef>
+          <a:fontRef idx="minor">
+            <a:schemeClr val="tx1"/>
+          </a:fontRef>
+        </p:style>
+      </p:cxnSp>
+      <p:sp>
+        <p:nvSpPr>
+          <p:cNvPr id="19" name="Textfeld 7">
+            <a:extLst>
+              <a:ext uri="{FF2B5EF4-FFF2-40B4-BE49-F238E27FC236}">
+                <a16:creationId xmlns:a16="http://schemas.microsoft.com/office/drawing/2014/main" id="{AEFE7EEA-BDA2-20BC-5D61-68CC27C8F74D}"/>
+              </a:ext>
+            </a:extLst>
+          </p:cNvPr>
+          <p:cNvSpPr txBox="1"/>
+          <p:nvPr/>
+        </p:nvSpPr>
+        <p:spPr>
+          <a:xfrm>
+            <a:off x="6432251" y="2476154"/>
+            <a:ext cx="1723297" cy="649772"/>
+          </a:xfrm>
+          <a:prstGeom prst="rect">
+            <a:avLst/>
+          </a:prstGeom>
+          <a:noFill/>
+          <a:ln>
+            <a:solidFill>
+              <a:schemeClr val="tx1"/>
+            </a:solidFill>
+          </a:ln>
+        </p:spPr>
+        <p:txBody>
+          <a:bodyPr wrap="square" rtlCol="0" anchor="ctr" anchorCtr="0">
+            <a:noAutofit/>
+          </a:bodyPr>
+          <a:lstStyle>
+            <a:defPPr>
+              <a:defRPr lang="de-DE"/>
+            </a:defPPr>
+            <a:lvl1pPr algn="ctr">
+              <a:defRPr sz="1200">
+                <a:latin typeface="Arial" panose="020B0604020202020204" pitchFamily="34" charset="0"/>
+                <a:cs typeface="Arial" panose="020B0604020202020204" pitchFamily="34" charset="0"/>
+              </a:defRPr>
+            </a:lvl1pPr>
+          </a:lstStyle>
+          <a:p>
+            <a:r>
+              <a:rPr lang="en-US" dirty="0"/>
+              <a:t>33,968 adult ICU stays in MIMIC-IV </a:t>
+            </a:r>
+          </a:p>
+          <a:p>
+            <a:r>
+              <a:rPr lang="en-US" dirty="0"/>
+              <a:t>within first 24 hours</a:t>
+            </a:r>
+          </a:p>
+        </p:txBody>
+      </p:sp>
+      <p:sp>
+        <p:nvSpPr>
+          <p:cNvPr id="26" name="Textfeld 7">
+            <a:extLst>
+              <a:ext uri="{FF2B5EF4-FFF2-40B4-BE49-F238E27FC236}">
+                <a16:creationId xmlns:a16="http://schemas.microsoft.com/office/drawing/2014/main" id="{CA41E3C6-77E3-A9BA-388B-932070386B55}"/>
+              </a:ext>
+            </a:extLst>
+          </p:cNvPr>
+          <p:cNvSpPr txBox="1"/>
+          <p:nvPr/>
+        </p:nvSpPr>
+        <p:spPr>
+          <a:xfrm>
+            <a:off x="4396207" y="635295"/>
+            <a:ext cx="1723297" cy="492067"/>
+          </a:xfrm>
+          <a:prstGeom prst="rect">
+            <a:avLst/>
+          </a:prstGeom>
+          <a:noFill/>
+          <a:ln>
+            <a:solidFill>
+              <a:schemeClr val="tx1"/>
+            </a:solidFill>
+          </a:ln>
+        </p:spPr>
+        <p:txBody>
+          <a:bodyPr wrap="square" rtlCol="0" anchor="ctr" anchorCtr="0">
+            <a:noAutofit/>
+          </a:bodyPr>
+          <a:lstStyle/>
+          <a:p>
+            <a:pPr algn="ctr"/>
+            <a:r>
+              <a:rPr lang="en-US" sz="1200" dirty="0">
+                <a:latin typeface="Arial" panose="020B0604020202020204" pitchFamily="34" charset="0"/>
+                <a:cs typeface="Arial" panose="020B0604020202020204" pitchFamily="34" charset="0"/>
+              </a:rPr>
+              <a:t>200,859 ICU stays </a:t>
+            </a:r>
+          </a:p>
+          <a:p>
+            <a:pPr algn="ctr"/>
+            <a:r>
+              <a:rPr lang="en-US" sz="1200" dirty="0">
+                <a:latin typeface="Arial" panose="020B0604020202020204" pitchFamily="34" charset="0"/>
+                <a:cs typeface="Arial" panose="020B0604020202020204" pitchFamily="34" charset="0"/>
+              </a:rPr>
+              <a:t>in eICU-CRD</a:t>
+            </a:r>
+          </a:p>
+        </p:txBody>
+      </p:sp>
+      <p:sp>
+        <p:nvSpPr>
+          <p:cNvPr id="27" name="Textfeld 10">
+            <a:extLst>
+              <a:ext uri="{FF2B5EF4-FFF2-40B4-BE49-F238E27FC236}">
+                <a16:creationId xmlns:a16="http://schemas.microsoft.com/office/drawing/2014/main" id="{6CBAAC22-E24B-258F-6B8B-A77680B1792A}"/>
+              </a:ext>
+            </a:extLst>
+          </p:cNvPr>
+          <p:cNvSpPr txBox="1"/>
+          <p:nvPr/>
+        </p:nvSpPr>
+        <p:spPr>
+          <a:xfrm>
+            <a:off x="1256115" y="1000546"/>
+            <a:ext cx="2736000" cy="1200329"/>
+          </a:xfrm>
+          <a:prstGeom prst="rect">
+            <a:avLst/>
+          </a:prstGeom>
+          <a:noFill/>
+          <a:ln>
+            <a:solidFill>
+              <a:schemeClr val="tx1"/>
+            </a:solidFill>
+          </a:ln>
+        </p:spPr>
+        <p:txBody>
+          <a:bodyPr wrap="square" rtlCol="0" anchor="ctr" anchorCtr="0">
+            <a:spAutoFit/>
+          </a:bodyPr>
+          <a:lstStyle/>
+          <a:p>
+            <a:r>
+              <a:rPr lang="en-US" sz="1200" dirty="0">
+                <a:latin typeface="Arial" panose="020B0604020202020204" pitchFamily="34" charset="0"/>
+                <a:cs typeface="Arial" panose="020B0604020202020204" pitchFamily="34" charset="0"/>
+              </a:rPr>
+              <a:t>ICU stays excluded:</a:t>
+            </a:r>
+          </a:p>
+          <a:p>
+            <a:pPr marL="171450" indent="-171450">
+              <a:buFont typeface="Arial" panose="020B0604020202020204" pitchFamily="34" charset="0"/>
+              <a:buChar char="•"/>
+            </a:pPr>
+            <a:r>
+              <a:rPr lang="en-US" sz="1200" dirty="0">
+                <a:latin typeface="Arial" panose="020B0604020202020204" pitchFamily="34" charset="0"/>
+                <a:cs typeface="Arial" panose="020B0604020202020204" pitchFamily="34" charset="0"/>
+              </a:rPr>
+              <a:t>LOS &lt; 24 hours (n=68,030)</a:t>
+            </a:r>
+          </a:p>
+          <a:p>
+            <a:pPr marL="171450" indent="-171450">
+              <a:buFont typeface="Arial" panose="020B0604020202020204" pitchFamily="34" charset="0"/>
+              <a:buChar char="•"/>
+            </a:pPr>
+            <a:r>
+              <a:rPr lang="en-US" sz="1200" dirty="0">
+                <a:latin typeface="Arial" panose="020B0604020202020204" pitchFamily="34" charset="0"/>
+                <a:cs typeface="Arial" panose="020B0604020202020204" pitchFamily="34" charset="0"/>
+              </a:rPr>
+              <a:t>Recurrent ICU stays (n=11,445)</a:t>
+            </a:r>
+          </a:p>
+          <a:p>
+            <a:pPr marL="171450" indent="-171450">
+              <a:buFont typeface="Arial" panose="020B0604020202020204" pitchFamily="34" charset="0"/>
+              <a:buChar char="•"/>
+            </a:pPr>
+            <a:r>
+              <a:rPr lang="en-US" sz="1200" dirty="0">
+                <a:latin typeface="Arial" panose="020B0604020202020204" pitchFamily="34" charset="0"/>
+                <a:cs typeface="Arial" panose="020B0604020202020204" pitchFamily="34" charset="0"/>
+              </a:rPr>
+              <a:t>Elective admission (n=19,384)</a:t>
+            </a:r>
+          </a:p>
+          <a:p>
+            <a:pPr marL="171450" indent="-171450">
+              <a:buFont typeface="Arial" panose="020B0604020202020204" pitchFamily="34" charset="0"/>
+              <a:buChar char="•"/>
+            </a:pPr>
+            <a:r>
+              <a:rPr lang="en-US" sz="1200" dirty="0">
+                <a:latin typeface="Arial" panose="020B0604020202020204" pitchFamily="34" charset="0"/>
+                <a:cs typeface="Arial" panose="020B0604020202020204" pitchFamily="34" charset="0"/>
+              </a:rPr>
+              <a:t>Information on sex missing and age &lt; 18 (n=327)</a:t>
+            </a:r>
+          </a:p>
+        </p:txBody>
+      </p:sp>
+      <p:cxnSp>
+        <p:nvCxnSpPr>
+          <p:cNvPr id="28" name="Gerade Verbindung mit Pfeil 12">
+            <a:extLst>
+              <a:ext uri="{FF2B5EF4-FFF2-40B4-BE49-F238E27FC236}">
+                <a16:creationId xmlns:a16="http://schemas.microsoft.com/office/drawing/2014/main" id="{D03B28A3-5EFC-6874-EAE7-831A3076466E}"/>
+              </a:ext>
+            </a:extLst>
+          </p:cNvPr>
+          <p:cNvCxnSpPr>
+            <a:cxnSpLocks/>
+            <a:endCxn id="27" idx="3"/>
+          </p:cNvCxnSpPr>
+          <p:nvPr/>
+        </p:nvCxnSpPr>
+        <p:spPr>
+          <a:xfrm flipH="1">
+            <a:off x="3992115" y="1600711"/>
+            <a:ext cx="1260000" cy="0"/>
+          </a:xfrm>
+          <a:prstGeom prst="straightConnector1">
+            <a:avLst/>
+          </a:prstGeom>
+          <a:ln>
+            <a:tailEnd type="triangle"/>
+          </a:ln>
+        </p:spPr>
+        <p:style>
+          <a:lnRef idx="1">
+            <a:schemeClr val="dk1"/>
+          </a:lnRef>
+          <a:fillRef idx="0">
+            <a:schemeClr val="dk1"/>
+          </a:fillRef>
+          <a:effectRef idx="0">
+            <a:schemeClr val="dk1"/>
+          </a:effectRef>
+          <a:fontRef idx="minor">
+            <a:schemeClr val="tx1"/>
+          </a:fontRef>
+        </p:style>
+      </p:cxnSp>
+      <p:cxnSp>
+        <p:nvCxnSpPr>
+          <p:cNvPr id="29" name="Gerade Verbindung mit Pfeil 11">
+            <a:extLst>
+              <a:ext uri="{FF2B5EF4-FFF2-40B4-BE49-F238E27FC236}">
+                <a16:creationId xmlns:a16="http://schemas.microsoft.com/office/drawing/2014/main" id="{77B3571F-2A91-06EC-EE2B-D74E80E4D91F}"/>
+              </a:ext>
+            </a:extLst>
+          </p:cNvPr>
+          <p:cNvCxnSpPr>
+            <a:cxnSpLocks/>
+            <a:stCxn id="26" idx="2"/>
+            <a:endCxn id="31" idx="0"/>
+          </p:cNvCxnSpPr>
+          <p:nvPr/>
+        </p:nvCxnSpPr>
+        <p:spPr>
+          <a:xfrm>
+            <a:off x="5257856" y="1127362"/>
+            <a:ext cx="0" cy="1348792"/>
+          </a:xfrm>
+          <a:prstGeom prst="straightConnector1">
+            <a:avLst/>
+          </a:prstGeom>
+          <a:ln>
+            <a:tailEnd type="triangle"/>
+          </a:ln>
+        </p:spPr>
+        <p:style>
+          <a:lnRef idx="1">
+            <a:schemeClr val="dk1"/>
+          </a:lnRef>
+          <a:fillRef idx="0">
+            <a:schemeClr val="dk1"/>
+          </a:fillRef>
+          <a:effectRef idx="0">
+            <a:schemeClr val="dk1"/>
+          </a:effectRef>
+          <a:fontRef idx="minor">
+            <a:schemeClr val="tx1"/>
+          </a:fontRef>
+        </p:style>
+      </p:cxnSp>
+      <p:sp>
+        <p:nvSpPr>
+          <p:cNvPr id="31" name="Textfeld 7">
+            <a:extLst>
+              <a:ext uri="{FF2B5EF4-FFF2-40B4-BE49-F238E27FC236}">
+                <a16:creationId xmlns:a16="http://schemas.microsoft.com/office/drawing/2014/main" id="{34765ADA-E96E-A17D-B35C-A820BA315A2E}"/>
+              </a:ext>
+            </a:extLst>
+          </p:cNvPr>
+          <p:cNvSpPr txBox="1"/>
+          <p:nvPr/>
+        </p:nvSpPr>
+        <p:spPr>
+          <a:xfrm>
+            <a:off x="4396207" y="2476154"/>
+            <a:ext cx="1723297" cy="644709"/>
+          </a:xfrm>
+          <a:prstGeom prst="rect">
+            <a:avLst/>
+          </a:prstGeom>
+          <a:noFill/>
+          <a:ln>
+            <a:solidFill>
+              <a:schemeClr val="tx1"/>
+            </a:solidFill>
+          </a:ln>
+        </p:spPr>
+        <p:txBody>
+          <a:bodyPr wrap="square" rtlCol="0" anchor="ctr" anchorCtr="0">
+            <a:noAutofit/>
+          </a:bodyPr>
+          <a:lstStyle>
+            <a:defPPr>
+              <a:defRPr lang="de-DE"/>
+            </a:defPPr>
+            <a:lvl1pPr algn="ctr">
+              <a:defRPr sz="1200">
+                <a:latin typeface="Arial" panose="020B0604020202020204" pitchFamily="34" charset="0"/>
+                <a:cs typeface="Arial" panose="020B0604020202020204" pitchFamily="34" charset="0"/>
+              </a:defRPr>
+            </a:lvl1pPr>
+          </a:lstStyle>
+          <a:p>
+            <a:r>
+              <a:rPr lang="en-US" dirty="0"/>
               <a:t>113,118 adult ICU stays in eICU-CRD within first 24 hours</a:t>
             </a:r>
           </a:p>
@@ -6266,10 +6992,45 @@
           </a:p>
         </p:txBody>
       </p:sp>
+      <p:sp>
+        <p:nvSpPr>
+          <p:cNvPr id="2" name="TextBox 1">
+            <a:extLst>
+              <a:ext uri="{FF2B5EF4-FFF2-40B4-BE49-F238E27FC236}">
+                <a16:creationId xmlns:a16="http://schemas.microsoft.com/office/drawing/2014/main" id="{72348ACA-F2AD-8760-BC90-29D3E8A6B645}"/>
+              </a:ext>
+            </a:extLst>
+          </p:cNvPr>
+          <p:cNvSpPr txBox="1"/>
+          <p:nvPr/>
+        </p:nvSpPr>
+        <p:spPr>
+          <a:xfrm>
+            <a:off x="402771" y="6858000"/>
+            <a:ext cx="452368" cy="308418"/>
+          </a:xfrm>
+          <a:prstGeom prst="rect">
+            <a:avLst/>
+          </a:prstGeom>
+          <a:noFill/>
+        </p:spPr>
+        <p:txBody>
+          <a:bodyPr wrap="none" rtlCol="0">
+            <a:spAutoFit/>
+          </a:bodyPr>
+          <a:lstStyle/>
+          <a:p>
+            <a:r>
+              <a:rPr lang="en-US" dirty="0"/>
+              <a:t>Old</a:t>
+            </a:r>
+          </a:p>
+        </p:txBody>
+      </p:sp>
     </p:spTree>
     <p:extLst>
       <p:ext uri="{BB962C8B-B14F-4D97-AF65-F5344CB8AC3E}">
-        <p14:creationId xmlns:p14="http://schemas.microsoft.com/office/powerpoint/2010/main" val="1186949164"/>
+        <p14:creationId xmlns:p14="http://schemas.microsoft.com/office/powerpoint/2010/main" val="1241245002"/>
       </p:ext>
     </p:extLst>
   </p:cSld>
@@ -7661,18 +8422,18 @@
 </file>
 
 <file path=customXml/item2.xml><?xml version="1.0" encoding="utf-8"?>
+<p:properties xmlns:p="http://schemas.microsoft.com/office/2006/metadata/properties" xmlns:xsi="http://www.w3.org/2001/XMLSchema-instance" xmlns:pc="http://schemas.microsoft.com/office/infopath/2007/PartnerControls">
+  <documentManagement/>
+</p:properties>
+</file>
+
+<file path=customXml/item3.xml><?xml version="1.0" encoding="utf-8"?>
 <?mso-contentType ?>
 <FormTemplates xmlns="http://schemas.microsoft.com/sharepoint/v3/contenttype/forms">
   <Display>DocumentLibraryForm</Display>
   <Edit>DocumentLibraryForm</Edit>
   <New>DocumentLibraryForm</New>
 </FormTemplates>
-</file>
-
-<file path=customXml/item3.xml><?xml version="1.0" encoding="utf-8"?>
-<p:properties xmlns:p="http://schemas.microsoft.com/office/2006/metadata/properties" xmlns:xsi="http://www.w3.org/2001/XMLSchema-instance" xmlns:pc="http://schemas.microsoft.com/office/infopath/2007/PartnerControls">
-  <documentManagement/>
-</p:properties>
 </file>
 
 <file path=customXml/itemProps1.xml><?xml version="1.0" encoding="utf-8"?>
@@ -7695,14 +8456,6 @@
 </file>
 
 <file path=customXml/itemProps2.xml><?xml version="1.0" encoding="utf-8"?>
-<ds:datastoreItem xmlns:ds="http://schemas.openxmlformats.org/officeDocument/2006/customXml" ds:itemID="{9FA18103-7F7B-4DF6-B5E4-0AF29ECCC122}">
-  <ds:schemaRefs>
-    <ds:schemaRef ds:uri="http://schemas.microsoft.com/sharepoint/v3/contenttype/forms"/>
-  </ds:schemaRefs>
-</ds:datastoreItem>
-</file>
-
-<file path=customXml/itemProps3.xml><?xml version="1.0" encoding="utf-8"?>
 <ds:datastoreItem xmlns:ds="http://schemas.openxmlformats.org/officeDocument/2006/customXml" ds:itemID="{1A94CC53-2CAC-471B-9BA4-2797B3DA82E3}">
   <ds:schemaRefs>
     <ds:schemaRef ds:uri="0c7ed570-c004-4df7-b924-f6f15cff9822"/>
@@ -7717,4 +8470,12 @@
     <ds:schemaRef ds:uri="http://www.w3.org/XML/1998/namespace"/>
   </ds:schemaRefs>
 </ds:datastoreItem>
+</file>
+
+<file path=customXml/itemProps3.xml><?xml version="1.0" encoding="utf-8"?>
+<ds:datastoreItem xmlns:ds="http://schemas.openxmlformats.org/officeDocument/2006/customXml" ds:itemID="{9FA18103-7F7B-4DF6-B5E4-0AF29ECCC122}">
+  <ds:schemaRefs>
+    <ds:schemaRef ds:uri="http://schemas.microsoft.com/sharepoint/v3/contenttype/forms"/>
+  </ds:schemaRefs>
+</ds:datastoreItem>
 </file>
--- a/results/flow_chart/Flow chart SOFA.pptx
+++ b/results/flow_chart/Flow chart SOFA.pptx
@@ -5,11 +5,12 @@
     <p:sldMasterId id="2147483660" r:id="rId4"/>
   </p:sldMasterIdLst>
   <p:notesMasterIdLst>
-    <p:notesMasterId r:id="rId7"/>
+    <p:notesMasterId r:id="rId8"/>
   </p:notesMasterIdLst>
   <p:sldIdLst>
-    <p:sldId id="2154" r:id="rId5"/>
-    <p:sldId id="2155" r:id="rId6"/>
+    <p:sldId id="2155" r:id="rId5"/>
+    <p:sldId id="2154" r:id="rId6"/>
+    <p:sldId id="2156" r:id="rId7"/>
   </p:sldIdLst>
   <p:sldSz cx="12798425" cy="7199313"/>
   <p:notesSz cx="6858000" cy="9144000"/>
@@ -198,7 +199,7 @@
           <a:p>
             <a:fld id="{3EEE108C-EB67-DA4C-A2B8-5DDAA9AACF1E}" type="datetimeFigureOut">
               <a:rPr lang="de-CH" smtClean="0"/>
-              <a:t>03.05.23</a:t>
+              <a:t>08.06.23</a:t>
             </a:fld>
             <a:endParaRPr lang="de-CH"/>
           </a:p>
@@ -545,7 +546,7 @@
     </p:spTree>
     <p:extLst>
       <p:ext uri="{BB962C8B-B14F-4D97-AF65-F5344CB8AC3E}">
-        <p14:creationId xmlns:p14="http://schemas.microsoft.com/office/powerpoint/2010/main" val="2817922779"/>
+        <p14:creationId xmlns:p14="http://schemas.microsoft.com/office/powerpoint/2010/main" val="3598546289"/>
       </p:ext>
     </p:extLst>
   </p:cSld>
@@ -634,7 +635,96 @@
     </p:spTree>
     <p:extLst>
       <p:ext uri="{BB962C8B-B14F-4D97-AF65-F5344CB8AC3E}">
-        <p14:creationId xmlns:p14="http://schemas.microsoft.com/office/powerpoint/2010/main" val="3598546289"/>
+        <p14:creationId xmlns:p14="http://schemas.microsoft.com/office/powerpoint/2010/main" val="2817922779"/>
+      </p:ext>
+    </p:extLst>
+  </p:cSld>
+  <p:clrMapOvr>
+    <a:masterClrMapping/>
+  </p:clrMapOvr>
+</p:notes>
+</file>
+
+<file path=ppt/notesSlides/notesSlide3.xml><?xml version="1.0" encoding="utf-8"?>
+<p:notes xmlns:a="http://schemas.openxmlformats.org/drawingml/2006/main" xmlns:r="http://schemas.openxmlformats.org/officeDocument/2006/relationships" xmlns:p="http://schemas.openxmlformats.org/presentationml/2006/main">
+  <p:cSld>
+    <p:spTree>
+      <p:nvGrpSpPr>
+        <p:cNvPr id="1" name=""/>
+        <p:cNvGrpSpPr/>
+        <p:nvPr/>
+      </p:nvGrpSpPr>
+      <p:grpSpPr>
+        <a:xfrm>
+          <a:off x="0" y="0"/>
+          <a:ext cx="0" cy="0"/>
+          <a:chOff x="0" y="0"/>
+          <a:chExt cx="0" cy="0"/>
+        </a:xfrm>
+      </p:grpSpPr>
+      <p:sp>
+        <p:nvSpPr>
+          <p:cNvPr id="2" name="Folienbildplatzhalter 1"/>
+          <p:cNvSpPr>
+            <a:spLocks noGrp="1" noRot="1" noChangeAspect="1"/>
+          </p:cNvSpPr>
+          <p:nvPr>
+            <p:ph type="sldImg"/>
+          </p:nvPr>
+        </p:nvSpPr>
+        <p:spPr>
+          <a:xfrm>
+            <a:off x="687388" y="1143000"/>
+            <a:ext cx="5483225" cy="3086100"/>
+          </a:xfrm>
+        </p:spPr>
+      </p:sp>
+      <p:sp>
+        <p:nvSpPr>
+          <p:cNvPr id="3" name="Notizenplatzhalter 2"/>
+          <p:cNvSpPr>
+            <a:spLocks noGrp="1"/>
+          </p:cNvSpPr>
+          <p:nvPr>
+            <p:ph type="body" idx="1"/>
+          </p:nvPr>
+        </p:nvSpPr>
+        <p:spPr/>
+        <p:txBody>
+          <a:bodyPr/>
+          <a:lstStyle/>
+          <a:p>
+            <a:endParaRPr lang="de-DE" dirty="0"/>
+          </a:p>
+        </p:txBody>
+      </p:sp>
+      <p:sp>
+        <p:nvSpPr>
+          <p:cNvPr id="4" name="Foliennummernplatzhalter 3"/>
+          <p:cNvSpPr>
+            <a:spLocks noGrp="1"/>
+          </p:cNvSpPr>
+          <p:nvPr>
+            <p:ph type="sldNum" sz="quarter" idx="5"/>
+          </p:nvPr>
+        </p:nvSpPr>
+        <p:spPr/>
+        <p:txBody>
+          <a:bodyPr/>
+          <a:lstStyle/>
+          <a:p>
+            <a:fld id="{5C3705C8-8D8D-C141-93E1-E1EAB03375A0}" type="slidenum">
+              <a:rPr lang="de-CH" smtClean="0"/>
+              <a:t>3</a:t>
+            </a:fld>
+            <a:endParaRPr lang="de-CH"/>
+          </a:p>
+        </p:txBody>
+      </p:sp>
+    </p:spTree>
+    <p:extLst>
+      <p:ext uri="{BB962C8B-B14F-4D97-AF65-F5344CB8AC3E}">
+        <p14:creationId xmlns:p14="http://schemas.microsoft.com/office/powerpoint/2010/main" val="179817484"/>
       </p:ext>
     </p:extLst>
   </p:cSld>
@@ -1986,7 +2076,7 @@
             <a:fld id="{4B6055F8-1D02-4417-9241-55C834FD9970}" type="datetimeFigureOut">
               <a:rPr lang="it-IT" smtClean="0"/>
               <a:pPr/>
-              <a:t>03/05/23</a:t>
+              <a:t>08/06/23</a:t>
             </a:fld>
             <a:endParaRPr lang="it-IT"/>
           </a:p>
@@ -5142,7 +5232,7 @@
                 <a:latin typeface="Arial" panose="020B0604020202020204" pitchFamily="34" charset="0"/>
                 <a:cs typeface="Arial" panose="020B0604020202020204" pitchFamily="34" charset="0"/>
               </a:rPr>
-              <a:t>LOS &lt; 7 days (n=44,795)</a:t>
+              <a:t>LOS &lt; 24 hours (n=15,753)</a:t>
             </a:r>
           </a:p>
           <a:p>
@@ -5316,13 +5406,13 @@
           <a:p>
             <a:r>
               <a:rPr lang="en-US" dirty="0"/>
-              <a:t>4,926 adult ICU stays in MIMIC-IV </a:t>
+              <a:t>33,968 adult ICU stays in MIMIC-IV </a:t>
             </a:r>
           </a:p>
           <a:p>
             <a:r>
               <a:rPr lang="en-US" dirty="0"/>
-              <a:t>within first 7 days</a:t>
+              <a:t>within first 24 hours</a:t>
             </a:r>
           </a:p>
         </p:txBody>
@@ -5432,7 +5522,7 @@
                 <a:latin typeface="Arial" panose="020B0604020202020204" pitchFamily="34" charset="0"/>
                 <a:cs typeface="Arial" panose="020B0604020202020204" pitchFamily="34" charset="0"/>
               </a:rPr>
-              <a:t>LOS &lt; 7 days (n=159,050)</a:t>
+              <a:t>LOS &lt; 24 hours (n=68,030)</a:t>
             </a:r>
           </a:p>
           <a:p>
@@ -5458,7 +5548,7 @@
                 <a:latin typeface="Arial" panose="020B0604020202020204" pitchFamily="34" charset="0"/>
                 <a:cs typeface="Arial" panose="020B0604020202020204" pitchFamily="34" charset="0"/>
               </a:rPr>
-              <a:t>Elective admission (n=19,384)</a:t>
+              <a:t>Information on sex missing and age &lt; 18 (n=327)</a:t>
             </a:r>
           </a:p>
           <a:p>
@@ -5471,7 +5561,7 @@
                 <a:latin typeface="Arial" panose="020B0604020202020204" pitchFamily="34" charset="0"/>
                 <a:cs typeface="Arial" panose="020B0604020202020204" pitchFamily="34" charset="0"/>
               </a:rPr>
-              <a:t>Information on sex missing and age &lt; 18 (n=327)</a:t>
+              <a:t>Elective admission (n=59,172)</a:t>
             </a:r>
           </a:p>
         </p:txBody>
@@ -5606,7 +5696,393 @@
           <a:p>
             <a:r>
               <a:rPr lang="en-US" dirty="0"/>
-              <a:t>10,653 adult ICU stays in eICU-CRD</a:t>
+              <a:t>73,330 adult ICU stays in eICU-CRD within first 24 hours</a:t>
+            </a:r>
+          </a:p>
+        </p:txBody>
+      </p:sp>
+      <p:sp>
+        <p:nvSpPr>
+          <p:cNvPr id="3" name="Textfeld 10">
+            <a:extLst>
+              <a:ext uri="{FF2B5EF4-FFF2-40B4-BE49-F238E27FC236}">
+                <a16:creationId xmlns:a16="http://schemas.microsoft.com/office/drawing/2014/main" id="{A7BEAE33-66BB-E032-1D40-948B88B3566A}"/>
+              </a:ext>
+            </a:extLst>
+          </p:cNvPr>
+          <p:cNvSpPr txBox="1"/>
+          <p:nvPr/>
+        </p:nvSpPr>
+        <p:spPr>
+          <a:xfrm>
+            <a:off x="8547885" y="3406101"/>
+            <a:ext cx="2736000" cy="461665"/>
+          </a:xfrm>
+          <a:prstGeom prst="rect">
+            <a:avLst/>
+          </a:prstGeom>
+          <a:noFill/>
+          <a:ln>
+            <a:solidFill>
+              <a:schemeClr val="tx1"/>
+            </a:solidFill>
+          </a:ln>
+        </p:spPr>
+        <p:txBody>
+          <a:bodyPr wrap="square" rtlCol="0" anchor="ctr" anchorCtr="0">
+            <a:spAutoFit/>
+          </a:bodyPr>
+          <a:lstStyle/>
+          <a:p>
+            <a:r>
+              <a:rPr lang="en-US" sz="1200" dirty="0">
+                <a:latin typeface="Arial" panose="020B0604020202020204" pitchFamily="34" charset="0"/>
+                <a:cs typeface="Arial" panose="020B0604020202020204" pitchFamily="34" charset="0"/>
+              </a:rPr>
+              <a:t>ICU stays excluded:</a:t>
+            </a:r>
+          </a:p>
+          <a:p>
+            <a:pPr marL="171450" indent="-171450">
+              <a:buFont typeface="Arial" panose="020B0604020202020204" pitchFamily="34" charset="0"/>
+              <a:buChar char="•"/>
+            </a:pPr>
+            <a:r>
+              <a:rPr lang="en-US" sz="1200" dirty="0">
+                <a:latin typeface="Arial" panose="020B0604020202020204" pitchFamily="34" charset="0"/>
+                <a:cs typeface="Arial" panose="020B0604020202020204" pitchFamily="34" charset="0"/>
+              </a:rPr>
+              <a:t>LOS &lt; 7 days (n=29,042)</a:t>
+            </a:r>
+          </a:p>
+        </p:txBody>
+      </p:sp>
+      <p:cxnSp>
+        <p:nvCxnSpPr>
+          <p:cNvPr id="4" name="Gerade Verbindung mit Pfeil 12">
+            <a:extLst>
+              <a:ext uri="{FF2B5EF4-FFF2-40B4-BE49-F238E27FC236}">
+                <a16:creationId xmlns:a16="http://schemas.microsoft.com/office/drawing/2014/main" id="{EB79B206-1785-53A2-E92E-D5C4E76899E5}"/>
+              </a:ext>
+            </a:extLst>
+          </p:cNvPr>
+          <p:cNvCxnSpPr>
+            <a:cxnSpLocks/>
+            <a:endCxn id="3" idx="1"/>
+          </p:cNvCxnSpPr>
+          <p:nvPr/>
+        </p:nvCxnSpPr>
+        <p:spPr>
+          <a:xfrm>
+            <a:off x="7287885" y="3636934"/>
+            <a:ext cx="1260000" cy="0"/>
+          </a:xfrm>
+          <a:prstGeom prst="straightConnector1">
+            <a:avLst/>
+          </a:prstGeom>
+          <a:ln>
+            <a:tailEnd type="triangle"/>
+          </a:ln>
+        </p:spPr>
+        <p:style>
+          <a:lnRef idx="1">
+            <a:schemeClr val="dk1"/>
+          </a:lnRef>
+          <a:fillRef idx="0">
+            <a:schemeClr val="dk1"/>
+          </a:fillRef>
+          <a:effectRef idx="0">
+            <a:schemeClr val="dk1"/>
+          </a:effectRef>
+          <a:fontRef idx="minor">
+            <a:schemeClr val="tx1"/>
+          </a:fontRef>
+        </p:style>
+      </p:cxnSp>
+      <p:cxnSp>
+        <p:nvCxnSpPr>
+          <p:cNvPr id="5" name="Gerade Verbindung mit Pfeil 11">
+            <a:extLst>
+              <a:ext uri="{FF2B5EF4-FFF2-40B4-BE49-F238E27FC236}">
+                <a16:creationId xmlns:a16="http://schemas.microsoft.com/office/drawing/2014/main" id="{86F54407-E64D-72E6-67B9-A63327729424}"/>
+              </a:ext>
+            </a:extLst>
+          </p:cNvPr>
+          <p:cNvCxnSpPr>
+            <a:cxnSpLocks/>
+            <a:endCxn id="6" idx="0"/>
+          </p:cNvCxnSpPr>
+          <p:nvPr/>
+        </p:nvCxnSpPr>
+        <p:spPr>
+          <a:xfrm>
+            <a:off x="7291843" y="3125926"/>
+            <a:ext cx="0" cy="1001766"/>
+          </a:xfrm>
+          <a:prstGeom prst="straightConnector1">
+            <a:avLst/>
+          </a:prstGeom>
+          <a:ln>
+            <a:tailEnd type="triangle"/>
+          </a:ln>
+        </p:spPr>
+        <p:style>
+          <a:lnRef idx="1">
+            <a:schemeClr val="dk1"/>
+          </a:lnRef>
+          <a:fillRef idx="0">
+            <a:schemeClr val="dk1"/>
+          </a:fillRef>
+          <a:effectRef idx="0">
+            <a:schemeClr val="dk1"/>
+          </a:effectRef>
+          <a:fontRef idx="minor">
+            <a:schemeClr val="tx1"/>
+          </a:fontRef>
+        </p:style>
+      </p:cxnSp>
+      <p:sp>
+        <p:nvSpPr>
+          <p:cNvPr id="6" name="Textfeld 7">
+            <a:extLst>
+              <a:ext uri="{FF2B5EF4-FFF2-40B4-BE49-F238E27FC236}">
+                <a16:creationId xmlns:a16="http://schemas.microsoft.com/office/drawing/2014/main" id="{AFEFD6A0-FCF9-11A0-88C0-DE34E277C6B6}"/>
+              </a:ext>
+            </a:extLst>
+          </p:cNvPr>
+          <p:cNvSpPr txBox="1"/>
+          <p:nvPr/>
+        </p:nvSpPr>
+        <p:spPr>
+          <a:xfrm>
+            <a:off x="6430194" y="4127692"/>
+            <a:ext cx="1723297" cy="649772"/>
+          </a:xfrm>
+          <a:prstGeom prst="rect">
+            <a:avLst/>
+          </a:prstGeom>
+          <a:noFill/>
+          <a:ln>
+            <a:solidFill>
+              <a:schemeClr val="tx1"/>
+            </a:solidFill>
+          </a:ln>
+        </p:spPr>
+        <p:txBody>
+          <a:bodyPr wrap="square" rtlCol="0" anchor="ctr" anchorCtr="0">
+            <a:noAutofit/>
+          </a:bodyPr>
+          <a:lstStyle>
+            <a:defPPr>
+              <a:defRPr lang="de-DE"/>
+            </a:defPPr>
+            <a:lvl1pPr algn="ctr">
+              <a:defRPr sz="1200">
+                <a:latin typeface="Arial" panose="020B0604020202020204" pitchFamily="34" charset="0"/>
+                <a:cs typeface="Arial" panose="020B0604020202020204" pitchFamily="34" charset="0"/>
+              </a:defRPr>
+            </a:lvl1pPr>
+          </a:lstStyle>
+          <a:p>
+            <a:r>
+              <a:rPr lang="en-US" dirty="0"/>
+              <a:t>4,926 adult ICU stays in MIMIC-IV</a:t>
+            </a:r>
+          </a:p>
+          <a:p>
+            <a:r>
+              <a:rPr lang="en-US" dirty="0"/>
+              <a:t>within first 7 days</a:t>
+            </a:r>
+          </a:p>
+        </p:txBody>
+      </p:sp>
+      <p:sp>
+        <p:nvSpPr>
+          <p:cNvPr id="9" name="Textfeld 10">
+            <a:extLst>
+              <a:ext uri="{FF2B5EF4-FFF2-40B4-BE49-F238E27FC236}">
+                <a16:creationId xmlns:a16="http://schemas.microsoft.com/office/drawing/2014/main" id="{598AA1A6-B27B-91CF-1B79-F0FF1C744259}"/>
+              </a:ext>
+            </a:extLst>
+          </p:cNvPr>
+          <p:cNvSpPr txBox="1"/>
+          <p:nvPr/>
+        </p:nvSpPr>
+        <p:spPr>
+          <a:xfrm>
+            <a:off x="1259698" y="3406101"/>
+            <a:ext cx="2736000" cy="461665"/>
+          </a:xfrm>
+          <a:prstGeom prst="rect">
+            <a:avLst/>
+          </a:prstGeom>
+          <a:noFill/>
+          <a:ln>
+            <a:solidFill>
+              <a:schemeClr val="tx1"/>
+            </a:solidFill>
+          </a:ln>
+        </p:spPr>
+        <p:txBody>
+          <a:bodyPr wrap="square" rtlCol="0" anchor="ctr" anchorCtr="0">
+            <a:spAutoFit/>
+          </a:bodyPr>
+          <a:lstStyle/>
+          <a:p>
+            <a:r>
+              <a:rPr lang="en-US" sz="1200" dirty="0">
+                <a:latin typeface="Arial" panose="020B0604020202020204" pitchFamily="34" charset="0"/>
+                <a:cs typeface="Arial" panose="020B0604020202020204" pitchFamily="34" charset="0"/>
+              </a:rPr>
+              <a:t>ICU stays excluded:</a:t>
+            </a:r>
+          </a:p>
+          <a:p>
+            <a:pPr marL="171450" indent="-171450">
+              <a:buFont typeface="Arial" panose="020B0604020202020204" pitchFamily="34" charset="0"/>
+              <a:buChar char="•"/>
+            </a:pPr>
+            <a:r>
+              <a:rPr lang="en-US" sz="1200" dirty="0">
+                <a:latin typeface="Arial" panose="020B0604020202020204" pitchFamily="34" charset="0"/>
+                <a:cs typeface="Arial" panose="020B0604020202020204" pitchFamily="34" charset="0"/>
+              </a:rPr>
+              <a:t>LOS &lt; 7 days (n=65,459)</a:t>
+            </a:r>
+          </a:p>
+        </p:txBody>
+      </p:sp>
+      <p:cxnSp>
+        <p:nvCxnSpPr>
+          <p:cNvPr id="10" name="Gerade Verbindung mit Pfeil 12">
+            <a:extLst>
+              <a:ext uri="{FF2B5EF4-FFF2-40B4-BE49-F238E27FC236}">
+                <a16:creationId xmlns:a16="http://schemas.microsoft.com/office/drawing/2014/main" id="{7B70CE13-93C5-D8DD-4D4F-A615AABC90DF}"/>
+              </a:ext>
+            </a:extLst>
+          </p:cNvPr>
+          <p:cNvCxnSpPr>
+            <a:cxnSpLocks/>
+            <a:endCxn id="9" idx="3"/>
+          </p:cNvCxnSpPr>
+          <p:nvPr/>
+        </p:nvCxnSpPr>
+        <p:spPr>
+          <a:xfrm flipH="1">
+            <a:off x="3995698" y="3636934"/>
+            <a:ext cx="1260000" cy="0"/>
+          </a:xfrm>
+          <a:prstGeom prst="straightConnector1">
+            <a:avLst/>
+          </a:prstGeom>
+          <a:ln>
+            <a:tailEnd type="triangle"/>
+          </a:ln>
+        </p:spPr>
+        <p:style>
+          <a:lnRef idx="1">
+            <a:schemeClr val="dk1"/>
+          </a:lnRef>
+          <a:fillRef idx="0">
+            <a:schemeClr val="dk1"/>
+          </a:fillRef>
+          <a:effectRef idx="0">
+            <a:schemeClr val="dk1"/>
+          </a:effectRef>
+          <a:fontRef idx="minor">
+            <a:schemeClr val="tx1"/>
+          </a:fontRef>
+        </p:style>
+      </p:cxnSp>
+      <p:cxnSp>
+        <p:nvCxnSpPr>
+          <p:cNvPr id="12" name="Gerade Verbindung mit Pfeil 11">
+            <a:extLst>
+              <a:ext uri="{FF2B5EF4-FFF2-40B4-BE49-F238E27FC236}">
+                <a16:creationId xmlns:a16="http://schemas.microsoft.com/office/drawing/2014/main" id="{06251C65-282A-59AE-DF2C-4341D8C87C2D}"/>
+              </a:ext>
+            </a:extLst>
+          </p:cNvPr>
+          <p:cNvCxnSpPr>
+            <a:cxnSpLocks/>
+            <a:endCxn id="14" idx="0"/>
+          </p:cNvCxnSpPr>
+          <p:nvPr/>
+        </p:nvCxnSpPr>
+        <p:spPr>
+          <a:xfrm>
+            <a:off x="5257856" y="3120865"/>
+            <a:ext cx="0" cy="1001766"/>
+          </a:xfrm>
+          <a:prstGeom prst="straightConnector1">
+            <a:avLst/>
+          </a:prstGeom>
+          <a:ln>
+            <a:tailEnd type="triangle"/>
+          </a:ln>
+        </p:spPr>
+        <p:style>
+          <a:lnRef idx="1">
+            <a:schemeClr val="dk1"/>
+          </a:lnRef>
+          <a:fillRef idx="0">
+            <a:schemeClr val="dk1"/>
+          </a:fillRef>
+          <a:effectRef idx="0">
+            <a:schemeClr val="dk1"/>
+          </a:effectRef>
+          <a:fontRef idx="minor">
+            <a:schemeClr val="tx1"/>
+          </a:fontRef>
+        </p:style>
+      </p:cxnSp>
+      <p:sp>
+        <p:nvSpPr>
+          <p:cNvPr id="14" name="Textfeld 7">
+            <a:extLst>
+              <a:ext uri="{FF2B5EF4-FFF2-40B4-BE49-F238E27FC236}">
+                <a16:creationId xmlns:a16="http://schemas.microsoft.com/office/drawing/2014/main" id="{3F409630-246C-D5F7-A7EA-22A0A5637916}"/>
+              </a:ext>
+            </a:extLst>
+          </p:cNvPr>
+          <p:cNvSpPr txBox="1"/>
+          <p:nvPr/>
+        </p:nvSpPr>
+        <p:spPr>
+          <a:xfrm>
+            <a:off x="4396207" y="4122631"/>
+            <a:ext cx="1723297" cy="644709"/>
+          </a:xfrm>
+          <a:prstGeom prst="rect">
+            <a:avLst/>
+          </a:prstGeom>
+          <a:noFill/>
+          <a:ln>
+            <a:solidFill>
+              <a:schemeClr val="tx1"/>
+            </a:solidFill>
+          </a:ln>
+        </p:spPr>
+        <p:txBody>
+          <a:bodyPr wrap="square" rtlCol="0" anchor="ctr" anchorCtr="0">
+            <a:noAutofit/>
+          </a:bodyPr>
+          <a:lstStyle>
+            <a:defPPr>
+              <a:defRPr lang="de-DE"/>
+            </a:defPPr>
+            <a:lvl1pPr algn="ctr">
+              <a:defRPr sz="1200">
+                <a:latin typeface="Arial" panose="020B0604020202020204" pitchFamily="34" charset="0"/>
+                <a:cs typeface="Arial" panose="020B0604020202020204" pitchFamily="34" charset="0"/>
+              </a:defRPr>
+            </a:lvl1pPr>
+          </a:lstStyle>
+          <a:p>
+            <a:r>
+              <a:rPr lang="en-US" dirty="0"/>
+              <a:t>7,871 adult ICU stays in eICU-CRD</a:t>
             </a:r>
             <a:br>
               <a:rPr lang="en-US" dirty="0"/>
@@ -5633,7 +6109,7 @@
         <p:spPr>
           <a:xfrm>
             <a:off x="402771" y="6858000"/>
-            <a:ext cx="619080" cy="308418"/>
+            <a:ext cx="787395" cy="308418"/>
           </a:xfrm>
           <a:prstGeom prst="rect">
             <a:avLst/>
@@ -5648,7 +6124,7 @@
           <a:p>
             <a:r>
               <a:rPr lang="en-US" b="1" dirty="0"/>
-              <a:t>NEW</a:t>
+              <a:t>NEW 2</a:t>
             </a:r>
           </a:p>
         </p:txBody>
@@ -5656,7 +6132,7 @@
     </p:spTree>
     <p:extLst>
       <p:ext uri="{BB962C8B-B14F-4D97-AF65-F5344CB8AC3E}">
-        <p14:creationId xmlns:p14="http://schemas.microsoft.com/office/powerpoint/2010/main" val="1186949164"/>
+        <p14:creationId xmlns:p14="http://schemas.microsoft.com/office/powerpoint/2010/main" val="1241245002"/>
       </p:ext>
     </p:extLst>
   </p:cSld>
@@ -5778,7 +6254,7 @@
                 <a:latin typeface="Arial" panose="020B0604020202020204" pitchFamily="34" charset="0"/>
                 <a:cs typeface="Arial" panose="020B0604020202020204" pitchFamily="34" charset="0"/>
               </a:rPr>
-              <a:t>LOS &lt; 24 hours (n=15,753)</a:t>
+              <a:t>LOS &lt; 7 days (n=44,795)</a:t>
             </a:r>
           </a:p>
           <a:p>
@@ -5952,13 +6428,13 @@
           <a:p>
             <a:r>
               <a:rPr lang="en-US" dirty="0"/>
-              <a:t>33,968 adult ICU stays in MIMIC-IV </a:t>
+              <a:t>4,926 adult ICU stays in MIMIC-IV </a:t>
             </a:r>
           </a:p>
           <a:p>
             <a:r>
               <a:rPr lang="en-US" dirty="0"/>
-              <a:t>within first 24 hours</a:t>
+              <a:t>within first 7 days</a:t>
             </a:r>
           </a:p>
         </p:txBody>
@@ -6068,7 +6544,7 @@
                 <a:latin typeface="Arial" panose="020B0604020202020204" pitchFamily="34" charset="0"/>
                 <a:cs typeface="Arial" panose="020B0604020202020204" pitchFamily="34" charset="0"/>
               </a:rPr>
-              <a:t>LOS &lt; 24 hours (n=68,030)</a:t>
+              <a:t>LOS &lt; 7 days (n=159,050)</a:t>
             </a:r>
           </a:p>
           <a:p>
@@ -6242,6 +6718,642 @@
           <a:p>
             <a:r>
               <a:rPr lang="en-US" dirty="0"/>
+              <a:t>10,653 adult ICU stays in eICU-CRD</a:t>
+            </a:r>
+            <a:br>
+              <a:rPr lang="en-US" dirty="0"/>
+            </a:br>
+            <a:r>
+              <a:rPr lang="en-US" dirty="0"/>
+              <a:t>within first 7 days</a:t>
+            </a:r>
+          </a:p>
+        </p:txBody>
+      </p:sp>
+      <p:sp>
+        <p:nvSpPr>
+          <p:cNvPr id="2" name="TextBox 1">
+            <a:extLst>
+              <a:ext uri="{FF2B5EF4-FFF2-40B4-BE49-F238E27FC236}">
+                <a16:creationId xmlns:a16="http://schemas.microsoft.com/office/drawing/2014/main" id="{72348ACA-F2AD-8760-BC90-29D3E8A6B645}"/>
+              </a:ext>
+            </a:extLst>
+          </p:cNvPr>
+          <p:cNvSpPr txBox="1"/>
+          <p:nvPr/>
+        </p:nvSpPr>
+        <p:spPr>
+          <a:xfrm>
+            <a:off x="402771" y="6858000"/>
+            <a:ext cx="787395" cy="308418"/>
+          </a:xfrm>
+          <a:prstGeom prst="rect">
+            <a:avLst/>
+          </a:prstGeom>
+          <a:noFill/>
+        </p:spPr>
+        <p:txBody>
+          <a:bodyPr wrap="none" rtlCol="0">
+            <a:spAutoFit/>
+          </a:bodyPr>
+          <a:lstStyle/>
+          <a:p>
+            <a:r>
+              <a:rPr lang="en-US" b="1" dirty="0"/>
+              <a:t>NEW 1</a:t>
+            </a:r>
+          </a:p>
+        </p:txBody>
+      </p:sp>
+    </p:spTree>
+    <p:extLst>
+      <p:ext uri="{BB962C8B-B14F-4D97-AF65-F5344CB8AC3E}">
+        <p14:creationId xmlns:p14="http://schemas.microsoft.com/office/powerpoint/2010/main" val="1186949164"/>
+      </p:ext>
+    </p:extLst>
+  </p:cSld>
+  <p:clrMapOvr>
+    <a:masterClrMapping/>
+  </p:clrMapOvr>
+</p:sld>
+</file>
+
+<file path=ppt/slides/slide3.xml><?xml version="1.0" encoding="utf-8"?>
+<p:sld xmlns:a="http://schemas.openxmlformats.org/drawingml/2006/main" xmlns:r="http://schemas.openxmlformats.org/officeDocument/2006/relationships" xmlns:p="http://schemas.openxmlformats.org/presentationml/2006/main">
+  <p:cSld>
+    <p:spTree>
+      <p:nvGrpSpPr>
+        <p:cNvPr id="1" name=""/>
+        <p:cNvGrpSpPr/>
+        <p:nvPr/>
+      </p:nvGrpSpPr>
+      <p:grpSpPr>
+        <a:xfrm>
+          <a:off x="0" y="0"/>
+          <a:ext cx="0" cy="0"/>
+          <a:chOff x="0" y="0"/>
+          <a:chExt cx="0" cy="0"/>
+        </a:xfrm>
+      </p:grpSpPr>
+      <p:sp>
+        <p:nvSpPr>
+          <p:cNvPr id="8" name="Textfeld 7">
+            <a:extLst>
+              <a:ext uri="{FF2B5EF4-FFF2-40B4-BE49-F238E27FC236}">
+                <a16:creationId xmlns:a16="http://schemas.microsoft.com/office/drawing/2014/main" id="{54000E2E-5C7D-1344-A185-C415F6A5CDC2}"/>
+              </a:ext>
+            </a:extLst>
+          </p:cNvPr>
+          <p:cNvSpPr txBox="1"/>
+          <p:nvPr/>
+        </p:nvSpPr>
+        <p:spPr>
+          <a:xfrm>
+            <a:off x="6432251" y="635295"/>
+            <a:ext cx="1723297" cy="492067"/>
+          </a:xfrm>
+          <a:prstGeom prst="rect">
+            <a:avLst/>
+          </a:prstGeom>
+          <a:noFill/>
+          <a:ln>
+            <a:solidFill>
+              <a:schemeClr val="tx1"/>
+            </a:solidFill>
+          </a:ln>
+        </p:spPr>
+        <p:txBody>
+          <a:bodyPr wrap="square" rtlCol="0" anchor="ctr" anchorCtr="0">
+            <a:noAutofit/>
+          </a:bodyPr>
+          <a:lstStyle/>
+          <a:p>
+            <a:pPr algn="ctr"/>
+            <a:r>
+              <a:rPr lang="en-US" sz="1200" dirty="0">
+                <a:latin typeface="Arial" panose="020B0604020202020204" pitchFamily="34" charset="0"/>
+                <a:cs typeface="Arial" panose="020B0604020202020204" pitchFamily="34" charset="0"/>
+              </a:rPr>
+              <a:t>73,181 adult ICU stays in MIMIC-IV</a:t>
+            </a:r>
+          </a:p>
+        </p:txBody>
+      </p:sp>
+      <p:sp>
+        <p:nvSpPr>
+          <p:cNvPr id="11" name="Textfeld 10">
+            <a:extLst>
+              <a:ext uri="{FF2B5EF4-FFF2-40B4-BE49-F238E27FC236}">
+                <a16:creationId xmlns:a16="http://schemas.microsoft.com/office/drawing/2014/main" id="{F188F005-AEF6-BA48-BD4C-6F3F3DD7946E}"/>
+              </a:ext>
+            </a:extLst>
+          </p:cNvPr>
+          <p:cNvSpPr txBox="1"/>
+          <p:nvPr/>
+        </p:nvSpPr>
+        <p:spPr>
+          <a:xfrm>
+            <a:off x="8547885" y="1000546"/>
+            <a:ext cx="2736000" cy="1200329"/>
+          </a:xfrm>
+          <a:prstGeom prst="rect">
+            <a:avLst/>
+          </a:prstGeom>
+          <a:noFill/>
+          <a:ln>
+            <a:solidFill>
+              <a:schemeClr val="tx1"/>
+            </a:solidFill>
+          </a:ln>
+        </p:spPr>
+        <p:txBody>
+          <a:bodyPr wrap="square" rtlCol="0" anchor="ctr" anchorCtr="0">
+            <a:spAutoFit/>
+          </a:bodyPr>
+          <a:lstStyle/>
+          <a:p>
+            <a:r>
+              <a:rPr lang="en-US" sz="1200" dirty="0">
+                <a:latin typeface="Arial" panose="020B0604020202020204" pitchFamily="34" charset="0"/>
+                <a:cs typeface="Arial" panose="020B0604020202020204" pitchFamily="34" charset="0"/>
+              </a:rPr>
+              <a:t>ICU stays excluded:</a:t>
+            </a:r>
+          </a:p>
+          <a:p>
+            <a:pPr marL="171450" indent="-171450">
+              <a:buFont typeface="Arial" panose="020B0604020202020204" pitchFamily="34" charset="0"/>
+              <a:buChar char="•"/>
+            </a:pPr>
+            <a:r>
+              <a:rPr lang="en-US" sz="1200" dirty="0">
+                <a:latin typeface="Arial" panose="020B0604020202020204" pitchFamily="34" charset="0"/>
+                <a:cs typeface="Arial" panose="020B0604020202020204" pitchFamily="34" charset="0"/>
+              </a:rPr>
+              <a:t>LOS &lt; 24 hours (n=15,753)</a:t>
+            </a:r>
+          </a:p>
+          <a:p>
+            <a:pPr marL="171450" indent="-171450">
+              <a:buFont typeface="Arial" panose="020B0604020202020204" pitchFamily="34" charset="0"/>
+              <a:buChar char="•"/>
+            </a:pPr>
+            <a:r>
+              <a:rPr lang="en-US" sz="1200" dirty="0">
+                <a:latin typeface="Arial" panose="020B0604020202020204" pitchFamily="34" charset="0"/>
+                <a:cs typeface="Arial" panose="020B0604020202020204" pitchFamily="34" charset="0"/>
+              </a:rPr>
+              <a:t>Recurrent ICU stays (n=15,375)</a:t>
+            </a:r>
+          </a:p>
+          <a:p>
+            <a:pPr marL="171450" indent="-171450">
+              <a:buFont typeface="Arial" panose="020B0604020202020204" pitchFamily="34" charset="0"/>
+              <a:buChar char="•"/>
+            </a:pPr>
+            <a:r>
+              <a:rPr lang="en-US" sz="1200" dirty="0">
+                <a:latin typeface="Arial" panose="020B0604020202020204" pitchFamily="34" charset="0"/>
+                <a:cs typeface="Arial" panose="020B0604020202020204" pitchFamily="34" charset="0"/>
+              </a:rPr>
+              <a:t>Elective admission (n=6,939)</a:t>
+            </a:r>
+          </a:p>
+          <a:p>
+            <a:pPr marL="171450" indent="-171450">
+              <a:buFont typeface="Arial" panose="020B0604020202020204" pitchFamily="34" charset="0"/>
+              <a:buChar char="•"/>
+            </a:pPr>
+            <a:r>
+              <a:rPr lang="en-US" sz="1200" dirty="0">
+                <a:latin typeface="Arial" panose="020B0604020202020204" pitchFamily="34" charset="0"/>
+                <a:cs typeface="Arial" panose="020B0604020202020204" pitchFamily="34" charset="0"/>
+              </a:rPr>
+              <a:t>Information on GCS missing (n=1,146)</a:t>
+            </a:r>
+          </a:p>
+        </p:txBody>
+      </p:sp>
+      <p:cxnSp>
+        <p:nvCxnSpPr>
+          <p:cNvPr id="13" name="Gerade Verbindung mit Pfeil 12">
+            <a:extLst>
+              <a:ext uri="{FF2B5EF4-FFF2-40B4-BE49-F238E27FC236}">
+                <a16:creationId xmlns:a16="http://schemas.microsoft.com/office/drawing/2014/main" id="{FA7D861E-928E-9D4C-8857-46CFE561DB05}"/>
+              </a:ext>
+            </a:extLst>
+          </p:cNvPr>
+          <p:cNvCxnSpPr>
+            <a:cxnSpLocks/>
+            <a:endCxn id="11" idx="1"/>
+          </p:cNvCxnSpPr>
+          <p:nvPr/>
+        </p:nvCxnSpPr>
+        <p:spPr>
+          <a:xfrm>
+            <a:off x="7289785" y="1600711"/>
+            <a:ext cx="1258100" cy="0"/>
+          </a:xfrm>
+          <a:prstGeom prst="straightConnector1">
+            <a:avLst/>
+          </a:prstGeom>
+          <a:ln>
+            <a:tailEnd type="triangle"/>
+          </a:ln>
+        </p:spPr>
+        <p:style>
+          <a:lnRef idx="1">
+            <a:schemeClr val="dk1"/>
+          </a:lnRef>
+          <a:fillRef idx="0">
+            <a:schemeClr val="dk1"/>
+          </a:fillRef>
+          <a:effectRef idx="0">
+            <a:schemeClr val="dk1"/>
+          </a:effectRef>
+          <a:fontRef idx="minor">
+            <a:schemeClr val="tx1"/>
+          </a:fontRef>
+        </p:style>
+      </p:cxnSp>
+      <p:cxnSp>
+        <p:nvCxnSpPr>
+          <p:cNvPr id="25" name="Gerade Verbindung mit Pfeil 11">
+            <a:extLst>
+              <a:ext uri="{FF2B5EF4-FFF2-40B4-BE49-F238E27FC236}">
+                <a16:creationId xmlns:a16="http://schemas.microsoft.com/office/drawing/2014/main" id="{42BA8543-846E-0AC6-97E0-03187A3A168F}"/>
+              </a:ext>
+            </a:extLst>
+          </p:cNvPr>
+          <p:cNvCxnSpPr>
+            <a:cxnSpLocks/>
+            <a:stCxn id="8" idx="2"/>
+            <a:endCxn id="19" idx="0"/>
+          </p:cNvCxnSpPr>
+          <p:nvPr/>
+        </p:nvCxnSpPr>
+        <p:spPr>
+          <a:xfrm>
+            <a:off x="7293900" y="1127362"/>
+            <a:ext cx="0" cy="1348792"/>
+          </a:xfrm>
+          <a:prstGeom prst="straightConnector1">
+            <a:avLst/>
+          </a:prstGeom>
+          <a:ln>
+            <a:tailEnd type="triangle"/>
+          </a:ln>
+        </p:spPr>
+        <p:style>
+          <a:lnRef idx="1">
+            <a:schemeClr val="dk1"/>
+          </a:lnRef>
+          <a:fillRef idx="0">
+            <a:schemeClr val="dk1"/>
+          </a:fillRef>
+          <a:effectRef idx="0">
+            <a:schemeClr val="dk1"/>
+          </a:effectRef>
+          <a:fontRef idx="minor">
+            <a:schemeClr val="tx1"/>
+          </a:fontRef>
+        </p:style>
+      </p:cxnSp>
+      <p:sp>
+        <p:nvSpPr>
+          <p:cNvPr id="19" name="Textfeld 7">
+            <a:extLst>
+              <a:ext uri="{FF2B5EF4-FFF2-40B4-BE49-F238E27FC236}">
+                <a16:creationId xmlns:a16="http://schemas.microsoft.com/office/drawing/2014/main" id="{AEFE7EEA-BDA2-20BC-5D61-68CC27C8F74D}"/>
+              </a:ext>
+            </a:extLst>
+          </p:cNvPr>
+          <p:cNvSpPr txBox="1"/>
+          <p:nvPr/>
+        </p:nvSpPr>
+        <p:spPr>
+          <a:xfrm>
+            <a:off x="6432251" y="2476154"/>
+            <a:ext cx="1723297" cy="649772"/>
+          </a:xfrm>
+          <a:prstGeom prst="rect">
+            <a:avLst/>
+          </a:prstGeom>
+          <a:noFill/>
+          <a:ln>
+            <a:solidFill>
+              <a:schemeClr val="tx1"/>
+            </a:solidFill>
+          </a:ln>
+        </p:spPr>
+        <p:txBody>
+          <a:bodyPr wrap="square" rtlCol="0" anchor="ctr" anchorCtr="0">
+            <a:noAutofit/>
+          </a:bodyPr>
+          <a:lstStyle>
+            <a:defPPr>
+              <a:defRPr lang="de-DE"/>
+            </a:defPPr>
+            <a:lvl1pPr algn="ctr">
+              <a:defRPr sz="1200">
+                <a:latin typeface="Arial" panose="020B0604020202020204" pitchFamily="34" charset="0"/>
+                <a:cs typeface="Arial" panose="020B0604020202020204" pitchFamily="34" charset="0"/>
+              </a:defRPr>
+            </a:lvl1pPr>
+          </a:lstStyle>
+          <a:p>
+            <a:r>
+              <a:rPr lang="en-US" dirty="0"/>
+              <a:t>33,968 adult ICU stays in MIMIC-IV </a:t>
+            </a:r>
+          </a:p>
+          <a:p>
+            <a:r>
+              <a:rPr lang="en-US" dirty="0"/>
+              <a:t>within first 24 hours</a:t>
+            </a:r>
+          </a:p>
+        </p:txBody>
+      </p:sp>
+      <p:sp>
+        <p:nvSpPr>
+          <p:cNvPr id="26" name="Textfeld 7">
+            <a:extLst>
+              <a:ext uri="{FF2B5EF4-FFF2-40B4-BE49-F238E27FC236}">
+                <a16:creationId xmlns:a16="http://schemas.microsoft.com/office/drawing/2014/main" id="{CA41E3C6-77E3-A9BA-388B-932070386B55}"/>
+              </a:ext>
+            </a:extLst>
+          </p:cNvPr>
+          <p:cNvSpPr txBox="1"/>
+          <p:nvPr/>
+        </p:nvSpPr>
+        <p:spPr>
+          <a:xfrm>
+            <a:off x="4396207" y="635295"/>
+            <a:ext cx="1723297" cy="492067"/>
+          </a:xfrm>
+          <a:prstGeom prst="rect">
+            <a:avLst/>
+          </a:prstGeom>
+          <a:noFill/>
+          <a:ln>
+            <a:solidFill>
+              <a:schemeClr val="tx1"/>
+            </a:solidFill>
+          </a:ln>
+        </p:spPr>
+        <p:txBody>
+          <a:bodyPr wrap="square" rtlCol="0" anchor="ctr" anchorCtr="0">
+            <a:noAutofit/>
+          </a:bodyPr>
+          <a:lstStyle/>
+          <a:p>
+            <a:pPr algn="ctr"/>
+            <a:r>
+              <a:rPr lang="en-US" sz="1200" dirty="0">
+                <a:latin typeface="Arial" panose="020B0604020202020204" pitchFamily="34" charset="0"/>
+                <a:cs typeface="Arial" panose="020B0604020202020204" pitchFamily="34" charset="0"/>
+              </a:rPr>
+              <a:t>200,859 ICU stays </a:t>
+            </a:r>
+          </a:p>
+          <a:p>
+            <a:pPr algn="ctr"/>
+            <a:r>
+              <a:rPr lang="en-US" sz="1200" dirty="0">
+                <a:latin typeface="Arial" panose="020B0604020202020204" pitchFamily="34" charset="0"/>
+                <a:cs typeface="Arial" panose="020B0604020202020204" pitchFamily="34" charset="0"/>
+              </a:rPr>
+              <a:t>in eICU-CRD</a:t>
+            </a:r>
+          </a:p>
+        </p:txBody>
+      </p:sp>
+      <p:sp>
+        <p:nvSpPr>
+          <p:cNvPr id="27" name="Textfeld 10">
+            <a:extLst>
+              <a:ext uri="{FF2B5EF4-FFF2-40B4-BE49-F238E27FC236}">
+                <a16:creationId xmlns:a16="http://schemas.microsoft.com/office/drawing/2014/main" id="{6CBAAC22-E24B-258F-6B8B-A77680B1792A}"/>
+              </a:ext>
+            </a:extLst>
+          </p:cNvPr>
+          <p:cNvSpPr txBox="1"/>
+          <p:nvPr/>
+        </p:nvSpPr>
+        <p:spPr>
+          <a:xfrm>
+            <a:off x="1256115" y="1000546"/>
+            <a:ext cx="2736000" cy="1200329"/>
+          </a:xfrm>
+          <a:prstGeom prst="rect">
+            <a:avLst/>
+          </a:prstGeom>
+          <a:noFill/>
+          <a:ln>
+            <a:solidFill>
+              <a:schemeClr val="tx1"/>
+            </a:solidFill>
+          </a:ln>
+        </p:spPr>
+        <p:txBody>
+          <a:bodyPr wrap="square" rtlCol="0" anchor="ctr" anchorCtr="0">
+            <a:spAutoFit/>
+          </a:bodyPr>
+          <a:lstStyle/>
+          <a:p>
+            <a:r>
+              <a:rPr lang="en-US" sz="1200" dirty="0">
+                <a:latin typeface="Arial" panose="020B0604020202020204" pitchFamily="34" charset="0"/>
+                <a:cs typeface="Arial" panose="020B0604020202020204" pitchFamily="34" charset="0"/>
+              </a:rPr>
+              <a:t>ICU stays excluded:</a:t>
+            </a:r>
+          </a:p>
+          <a:p>
+            <a:pPr marL="171450" indent="-171450">
+              <a:buFont typeface="Arial" panose="020B0604020202020204" pitchFamily="34" charset="0"/>
+              <a:buChar char="•"/>
+            </a:pPr>
+            <a:r>
+              <a:rPr lang="en-US" sz="1200" dirty="0">
+                <a:latin typeface="Arial" panose="020B0604020202020204" pitchFamily="34" charset="0"/>
+                <a:cs typeface="Arial" panose="020B0604020202020204" pitchFamily="34" charset="0"/>
+              </a:rPr>
+              <a:t>LOS &lt; 24 hours (n=68,030)</a:t>
+            </a:r>
+          </a:p>
+          <a:p>
+            <a:pPr marL="171450" indent="-171450">
+              <a:buFont typeface="Arial" panose="020B0604020202020204" pitchFamily="34" charset="0"/>
+              <a:buChar char="•"/>
+            </a:pPr>
+            <a:r>
+              <a:rPr lang="en-US" sz="1200" dirty="0">
+                <a:latin typeface="Arial" panose="020B0604020202020204" pitchFamily="34" charset="0"/>
+                <a:cs typeface="Arial" panose="020B0604020202020204" pitchFamily="34" charset="0"/>
+              </a:rPr>
+              <a:t>Recurrent ICU stays (n=11,445)</a:t>
+            </a:r>
+          </a:p>
+          <a:p>
+            <a:pPr marL="171450" indent="-171450">
+              <a:buFont typeface="Arial" panose="020B0604020202020204" pitchFamily="34" charset="0"/>
+              <a:buChar char="•"/>
+            </a:pPr>
+            <a:r>
+              <a:rPr lang="en-US" sz="1200" dirty="0">
+                <a:latin typeface="Arial" panose="020B0604020202020204" pitchFamily="34" charset="0"/>
+                <a:cs typeface="Arial" panose="020B0604020202020204" pitchFamily="34" charset="0"/>
+              </a:rPr>
+              <a:t>Elective admission (n=19,384)</a:t>
+            </a:r>
+          </a:p>
+          <a:p>
+            <a:pPr marL="171450" indent="-171450">
+              <a:buFont typeface="Arial" panose="020B0604020202020204" pitchFamily="34" charset="0"/>
+              <a:buChar char="•"/>
+            </a:pPr>
+            <a:r>
+              <a:rPr lang="en-US" sz="1200" dirty="0">
+                <a:latin typeface="Arial" panose="020B0604020202020204" pitchFamily="34" charset="0"/>
+                <a:cs typeface="Arial" panose="020B0604020202020204" pitchFamily="34" charset="0"/>
+              </a:rPr>
+              <a:t>Information on sex missing and age &lt; 18 (n=327)</a:t>
+            </a:r>
+          </a:p>
+        </p:txBody>
+      </p:sp>
+      <p:cxnSp>
+        <p:nvCxnSpPr>
+          <p:cNvPr id="28" name="Gerade Verbindung mit Pfeil 12">
+            <a:extLst>
+              <a:ext uri="{FF2B5EF4-FFF2-40B4-BE49-F238E27FC236}">
+                <a16:creationId xmlns:a16="http://schemas.microsoft.com/office/drawing/2014/main" id="{D03B28A3-5EFC-6874-EAE7-831A3076466E}"/>
+              </a:ext>
+            </a:extLst>
+          </p:cNvPr>
+          <p:cNvCxnSpPr>
+            <a:cxnSpLocks/>
+            <a:endCxn id="27" idx="3"/>
+          </p:cNvCxnSpPr>
+          <p:nvPr/>
+        </p:nvCxnSpPr>
+        <p:spPr>
+          <a:xfrm flipH="1">
+            <a:off x="3992115" y="1600711"/>
+            <a:ext cx="1260000" cy="0"/>
+          </a:xfrm>
+          <a:prstGeom prst="straightConnector1">
+            <a:avLst/>
+          </a:prstGeom>
+          <a:ln>
+            <a:tailEnd type="triangle"/>
+          </a:ln>
+        </p:spPr>
+        <p:style>
+          <a:lnRef idx="1">
+            <a:schemeClr val="dk1"/>
+          </a:lnRef>
+          <a:fillRef idx="0">
+            <a:schemeClr val="dk1"/>
+          </a:fillRef>
+          <a:effectRef idx="0">
+            <a:schemeClr val="dk1"/>
+          </a:effectRef>
+          <a:fontRef idx="minor">
+            <a:schemeClr val="tx1"/>
+          </a:fontRef>
+        </p:style>
+      </p:cxnSp>
+      <p:cxnSp>
+        <p:nvCxnSpPr>
+          <p:cNvPr id="29" name="Gerade Verbindung mit Pfeil 11">
+            <a:extLst>
+              <a:ext uri="{FF2B5EF4-FFF2-40B4-BE49-F238E27FC236}">
+                <a16:creationId xmlns:a16="http://schemas.microsoft.com/office/drawing/2014/main" id="{77B3571F-2A91-06EC-EE2B-D74E80E4D91F}"/>
+              </a:ext>
+            </a:extLst>
+          </p:cNvPr>
+          <p:cNvCxnSpPr>
+            <a:cxnSpLocks/>
+            <a:stCxn id="26" idx="2"/>
+            <a:endCxn id="31" idx="0"/>
+          </p:cNvCxnSpPr>
+          <p:nvPr/>
+        </p:nvCxnSpPr>
+        <p:spPr>
+          <a:xfrm>
+            <a:off x="5257856" y="1127362"/>
+            <a:ext cx="0" cy="1348792"/>
+          </a:xfrm>
+          <a:prstGeom prst="straightConnector1">
+            <a:avLst/>
+          </a:prstGeom>
+          <a:ln>
+            <a:tailEnd type="triangle"/>
+          </a:ln>
+        </p:spPr>
+        <p:style>
+          <a:lnRef idx="1">
+            <a:schemeClr val="dk1"/>
+          </a:lnRef>
+          <a:fillRef idx="0">
+            <a:schemeClr val="dk1"/>
+          </a:fillRef>
+          <a:effectRef idx="0">
+            <a:schemeClr val="dk1"/>
+          </a:effectRef>
+          <a:fontRef idx="minor">
+            <a:schemeClr val="tx1"/>
+          </a:fontRef>
+        </p:style>
+      </p:cxnSp>
+      <p:sp>
+        <p:nvSpPr>
+          <p:cNvPr id="31" name="Textfeld 7">
+            <a:extLst>
+              <a:ext uri="{FF2B5EF4-FFF2-40B4-BE49-F238E27FC236}">
+                <a16:creationId xmlns:a16="http://schemas.microsoft.com/office/drawing/2014/main" id="{34765ADA-E96E-A17D-B35C-A820BA315A2E}"/>
+              </a:ext>
+            </a:extLst>
+          </p:cNvPr>
+          <p:cNvSpPr txBox="1"/>
+          <p:nvPr/>
+        </p:nvSpPr>
+        <p:spPr>
+          <a:xfrm>
+            <a:off x="4396207" y="2476154"/>
+            <a:ext cx="1723297" cy="644709"/>
+          </a:xfrm>
+          <a:prstGeom prst="rect">
+            <a:avLst/>
+          </a:prstGeom>
+          <a:noFill/>
+          <a:ln>
+            <a:solidFill>
+              <a:schemeClr val="tx1"/>
+            </a:solidFill>
+          </a:ln>
+        </p:spPr>
+        <p:txBody>
+          <a:bodyPr wrap="square" rtlCol="0" anchor="ctr" anchorCtr="0">
+            <a:noAutofit/>
+          </a:bodyPr>
+          <a:lstStyle>
+            <a:defPPr>
+              <a:defRPr lang="de-DE"/>
+            </a:defPPr>
+            <a:lvl1pPr algn="ctr">
+              <a:defRPr sz="1200">
+                <a:latin typeface="Arial" panose="020B0604020202020204" pitchFamily="34" charset="0"/>
+                <a:cs typeface="Arial" panose="020B0604020202020204" pitchFamily="34" charset="0"/>
+              </a:defRPr>
+            </a:lvl1pPr>
+          </a:lstStyle>
+          <a:p>
+            <a:r>
+              <a:rPr lang="en-US" dirty="0"/>
               <a:t>113,118 adult ICU stays in eICU-CRD within first 24 hours</a:t>
             </a:r>
           </a:p>
@@ -7030,7 +8142,7 @@
     </p:spTree>
     <p:extLst>
       <p:ext uri="{BB962C8B-B14F-4D97-AF65-F5344CB8AC3E}">
-        <p14:creationId xmlns:p14="http://schemas.microsoft.com/office/powerpoint/2010/main" val="1241245002"/>
+        <p14:creationId xmlns:p14="http://schemas.microsoft.com/office/powerpoint/2010/main" val="4278338965"/>
       </p:ext>
     </p:extLst>
   </p:cSld>
